--- a/inst/templates/TemplateDefault_169.pptx
+++ b/inst/templates/TemplateDefault_169.pptx
@@ -267,7 +267,7 @@
           <a:p>
             <a:fld id="{7B272C57-2FA0-4A9D-99A4-6F756B65018B}" type="datetimeFigureOut">
               <a:rPr lang="en-US" smtClean="0"/>
-              <a:t>4/23/2020</a:t>
+              <a:t>1/11/2021</a:t>
             </a:fld>
             <a:endParaRPr lang="en-US"/>
           </a:p>
@@ -341,6 +341,883 @@
 </file>
 
 <file path=ppt/slideLayouts/slideLayout10.xml><?xml version="1.0" encoding="utf-8"?>
+<p:sldLayout xmlns:a="http://schemas.openxmlformats.org/drawingml/2006/main" xmlns:r="http://schemas.openxmlformats.org/officeDocument/2006/relationships" xmlns:p="http://schemas.openxmlformats.org/presentationml/2006/main" preserve="1" userDrawn="1">
+  <p:cSld name="Two Content and Caption">
+    <p:bg>
+      <p:bgPr>
+        <a:solidFill>
+          <a:schemeClr val="bg1"/>
+        </a:solidFill>
+        <a:effectLst/>
+      </p:bgPr>
+    </p:bg>
+    <p:spTree>
+      <p:nvGrpSpPr>
+        <p:cNvPr id="1" name=""/>
+        <p:cNvGrpSpPr/>
+        <p:nvPr/>
+      </p:nvGrpSpPr>
+      <p:grpSpPr>
+        <a:xfrm>
+          <a:off x="0" y="0"/>
+          <a:ext cx="0" cy="0"/>
+          <a:chOff x="0" y="0"/>
+          <a:chExt cx="0" cy="0"/>
+        </a:xfrm>
+      </p:grpSpPr>
+      <p:sp>
+        <p:nvSpPr>
+          <p:cNvPr id="5" name="Date Placeholder 4">
+            <a:extLst>
+              <a:ext uri="{FF2B5EF4-FFF2-40B4-BE49-F238E27FC236}">
+                <a16:creationId xmlns:a16="http://schemas.microsoft.com/office/drawing/2014/main" id="{985F3433-3055-4279-A232-CDB35C481677}"/>
+              </a:ext>
+            </a:extLst>
+          </p:cNvPr>
+          <p:cNvSpPr>
+            <a:spLocks noGrp="1"/>
+          </p:cNvSpPr>
+          <p:nvPr>
+            <p:ph type="dt" sz="half" idx="10"/>
+          </p:nvPr>
+        </p:nvSpPr>
+        <p:spPr/>
+        <p:txBody>
+          <a:bodyPr/>
+          <a:lstStyle/>
+          <a:p>
+            <a:fld id="{7B272C57-2FA0-4A9D-99A4-6F756B65018B}" type="datetimeFigureOut">
+              <a:rPr lang="en-US" smtClean="0"/>
+              <a:t>1/11/2021</a:t>
+            </a:fld>
+            <a:endParaRPr lang="en-US"/>
+          </a:p>
+        </p:txBody>
+      </p:sp>
+      <p:sp>
+        <p:nvSpPr>
+          <p:cNvPr id="6" name="Footer Placeholder 5">
+            <a:extLst>
+              <a:ext uri="{FF2B5EF4-FFF2-40B4-BE49-F238E27FC236}">
+                <a16:creationId xmlns:a16="http://schemas.microsoft.com/office/drawing/2014/main" id="{C4190A63-5D67-4FD5-97FD-79F7445B6A2E}"/>
+              </a:ext>
+            </a:extLst>
+          </p:cNvPr>
+          <p:cNvSpPr>
+            <a:spLocks noGrp="1"/>
+          </p:cNvSpPr>
+          <p:nvPr>
+            <p:ph type="ftr" sz="quarter" idx="11"/>
+          </p:nvPr>
+        </p:nvSpPr>
+        <p:spPr/>
+        <p:txBody>
+          <a:bodyPr/>
+          <a:lstStyle/>
+          <a:p>
+            <a:endParaRPr lang="en-US"/>
+          </a:p>
+        </p:txBody>
+      </p:sp>
+      <p:sp>
+        <p:nvSpPr>
+          <p:cNvPr id="7" name="Slide Number Placeholder 6">
+            <a:extLst>
+              <a:ext uri="{FF2B5EF4-FFF2-40B4-BE49-F238E27FC236}">
+                <a16:creationId xmlns:a16="http://schemas.microsoft.com/office/drawing/2014/main" id="{D2687DAE-A442-4DC3-8550-20F58B781EC7}"/>
+              </a:ext>
+            </a:extLst>
+          </p:cNvPr>
+          <p:cNvSpPr>
+            <a:spLocks noGrp="1"/>
+          </p:cNvSpPr>
+          <p:nvPr>
+            <p:ph type="sldNum" sz="quarter" idx="12"/>
+          </p:nvPr>
+        </p:nvSpPr>
+        <p:spPr/>
+        <p:txBody>
+          <a:bodyPr/>
+          <a:lstStyle/>
+          <a:p>
+            <a:fld id="{C064A79B-B315-413E-88BB-EFE0B5D603D0}" type="slidenum">
+              <a:rPr lang="en-US" smtClean="0"/>
+              <a:t>‹#›</a:t>
+            </a:fld>
+            <a:endParaRPr lang="en-US"/>
+          </a:p>
+        </p:txBody>
+      </p:sp>
+      <p:sp>
+        <p:nvSpPr>
+          <p:cNvPr id="9" name="Title 1">
+            <a:extLst>
+              <a:ext uri="{FF2B5EF4-FFF2-40B4-BE49-F238E27FC236}">
+                <a16:creationId xmlns:a16="http://schemas.microsoft.com/office/drawing/2014/main" id="{177E17F1-D3B2-42A6-9982-8788655386CF}"/>
+              </a:ext>
+            </a:extLst>
+          </p:cNvPr>
+          <p:cNvSpPr>
+            <a:spLocks noGrp="1"/>
+          </p:cNvSpPr>
+          <p:nvPr>
+            <p:ph type="title"/>
+          </p:nvPr>
+        </p:nvSpPr>
+        <p:spPr>
+          <a:xfrm>
+            <a:off x="0" y="0"/>
+            <a:ext cx="12192000" cy="1013635"/>
+          </a:xfrm>
+          <a:solidFill>
+            <a:srgbClr val="2E3640"/>
+          </a:solidFill>
+        </p:spPr>
+        <p:txBody>
+          <a:bodyPr/>
+          <a:lstStyle>
+            <a:lvl1pPr>
+              <a:defRPr lang="en-US" dirty="0"/>
+            </a:lvl1pPr>
+          </a:lstStyle>
+          <a:p>
+            <a:r>
+              <a:rPr lang="en-US" dirty="0"/>
+              <a:t>Click to edit Master title style</a:t>
+            </a:r>
+          </a:p>
+        </p:txBody>
+      </p:sp>
+      <p:sp>
+        <p:nvSpPr>
+          <p:cNvPr id="10" name="Content Placeholder 2">
+            <a:extLst>
+              <a:ext uri="{FF2B5EF4-FFF2-40B4-BE49-F238E27FC236}">
+                <a16:creationId xmlns:a16="http://schemas.microsoft.com/office/drawing/2014/main" id="{F1A58CC4-526C-4991-898F-C0879D5343E8}"/>
+              </a:ext>
+            </a:extLst>
+          </p:cNvPr>
+          <p:cNvSpPr>
+            <a:spLocks noGrp="1"/>
+          </p:cNvSpPr>
+          <p:nvPr>
+            <p:ph sz="half" idx="1"/>
+          </p:nvPr>
+        </p:nvSpPr>
+        <p:spPr>
+          <a:xfrm>
+            <a:off x="250521" y="1205547"/>
+            <a:ext cx="5769279" cy="4446906"/>
+          </a:xfrm>
+        </p:spPr>
+        <p:txBody>
+          <a:bodyPr/>
+          <a:lstStyle/>
+          <a:p>
+            <a:pPr lvl="0"/>
+            <a:r>
+              <a:rPr lang="en-US" dirty="0"/>
+              <a:t>Click to edit Master text styles</a:t>
+            </a:r>
+          </a:p>
+          <a:p>
+            <a:pPr lvl="1"/>
+            <a:r>
+              <a:rPr lang="en-US" dirty="0"/>
+              <a:t>Second level</a:t>
+            </a:r>
+          </a:p>
+          <a:p>
+            <a:pPr lvl="2"/>
+            <a:r>
+              <a:rPr lang="en-US" dirty="0"/>
+              <a:t>Third level</a:t>
+            </a:r>
+          </a:p>
+          <a:p>
+            <a:pPr lvl="3"/>
+            <a:r>
+              <a:rPr lang="en-US" dirty="0"/>
+              <a:t>Fourth level</a:t>
+            </a:r>
+          </a:p>
+          <a:p>
+            <a:pPr lvl="4"/>
+            <a:r>
+              <a:rPr lang="en-US" dirty="0"/>
+              <a:t>Fifth level</a:t>
+            </a:r>
+          </a:p>
+        </p:txBody>
+      </p:sp>
+      <p:sp>
+        <p:nvSpPr>
+          <p:cNvPr id="11" name="Content Placeholder 3">
+            <a:extLst>
+              <a:ext uri="{FF2B5EF4-FFF2-40B4-BE49-F238E27FC236}">
+                <a16:creationId xmlns:a16="http://schemas.microsoft.com/office/drawing/2014/main" id="{CB008E43-F727-4C47-9855-9440A412ACCB}"/>
+              </a:ext>
+            </a:extLst>
+          </p:cNvPr>
+          <p:cNvSpPr>
+            <a:spLocks noGrp="1"/>
+          </p:cNvSpPr>
+          <p:nvPr>
+            <p:ph sz="half" idx="2"/>
+          </p:nvPr>
+        </p:nvSpPr>
+        <p:spPr>
+          <a:xfrm>
+            <a:off x="6172199" y="1205548"/>
+            <a:ext cx="5727527" cy="4446905"/>
+          </a:xfrm>
+        </p:spPr>
+        <p:txBody>
+          <a:bodyPr/>
+          <a:lstStyle/>
+          <a:p>
+            <a:pPr lvl="0"/>
+            <a:r>
+              <a:rPr lang="en-US"/>
+              <a:t>Click to edit Master text styles</a:t>
+            </a:r>
+          </a:p>
+          <a:p>
+            <a:pPr lvl="1"/>
+            <a:r>
+              <a:rPr lang="en-US"/>
+              <a:t>Second level</a:t>
+            </a:r>
+          </a:p>
+          <a:p>
+            <a:pPr lvl="2"/>
+            <a:r>
+              <a:rPr lang="en-US"/>
+              <a:t>Third level</a:t>
+            </a:r>
+          </a:p>
+          <a:p>
+            <a:pPr lvl="3"/>
+            <a:r>
+              <a:rPr lang="en-US"/>
+              <a:t>Fourth level</a:t>
+            </a:r>
+          </a:p>
+          <a:p>
+            <a:pPr lvl="4"/>
+            <a:r>
+              <a:rPr lang="en-US"/>
+              <a:t>Fifth level</a:t>
+            </a:r>
+          </a:p>
+        </p:txBody>
+      </p:sp>
+      <p:sp>
+        <p:nvSpPr>
+          <p:cNvPr id="3" name="Text Placeholder 2">
+            <a:extLst>
+              <a:ext uri="{FF2B5EF4-FFF2-40B4-BE49-F238E27FC236}">
+                <a16:creationId xmlns:a16="http://schemas.microsoft.com/office/drawing/2014/main" id="{B6810FF5-0B9C-4441-B73D-B10146FB8996}"/>
+              </a:ext>
+            </a:extLst>
+          </p:cNvPr>
+          <p:cNvSpPr>
+            <a:spLocks noGrp="1"/>
+          </p:cNvSpPr>
+          <p:nvPr>
+            <p:ph type="body" sz="quarter" idx="13"/>
+          </p:nvPr>
+        </p:nvSpPr>
+        <p:spPr>
+          <a:xfrm>
+            <a:off x="250825" y="5781584"/>
+            <a:ext cx="5768975" cy="445634"/>
+          </a:xfrm>
+        </p:spPr>
+        <p:txBody>
+          <a:bodyPr/>
+          <a:lstStyle>
+            <a:lvl1pPr marL="0" indent="0">
+              <a:buFont typeface="Arial" panose="020B0604020202020204" pitchFamily="34" charset="0"/>
+              <a:buNone/>
+              <a:defRPr sz="1200"/>
+            </a:lvl1pPr>
+            <a:lvl2pPr marL="457200" indent="0">
+              <a:buFont typeface="Arial" panose="020B0604020202020204" pitchFamily="34" charset="0"/>
+              <a:buNone/>
+              <a:defRPr sz="1100"/>
+            </a:lvl2pPr>
+            <a:lvl3pPr marL="914400" indent="0">
+              <a:buFont typeface="Arial" panose="020B0604020202020204" pitchFamily="34" charset="0"/>
+              <a:buNone/>
+              <a:defRPr sz="1050"/>
+            </a:lvl3pPr>
+            <a:lvl4pPr marL="1371600" indent="0">
+              <a:buFont typeface="Arial" panose="020B0604020202020204" pitchFamily="34" charset="0"/>
+              <a:buNone/>
+              <a:defRPr sz="1000"/>
+            </a:lvl4pPr>
+            <a:lvl5pPr marL="1828800" indent="0">
+              <a:buFont typeface="Arial" panose="020B0604020202020204" pitchFamily="34" charset="0"/>
+              <a:buNone/>
+              <a:defRPr sz="1000"/>
+            </a:lvl5pPr>
+          </a:lstStyle>
+          <a:p>
+            <a:pPr lvl="0"/>
+            <a:r>
+              <a:rPr lang="en-US" dirty="0"/>
+              <a:t>Click to edit Master text styles</a:t>
+            </a:r>
+          </a:p>
+          <a:p>
+            <a:pPr lvl="1"/>
+            <a:r>
+              <a:rPr lang="en-US" dirty="0"/>
+              <a:t>Second level</a:t>
+            </a:r>
+          </a:p>
+          <a:p>
+            <a:pPr lvl="2"/>
+            <a:r>
+              <a:rPr lang="en-US" dirty="0"/>
+              <a:t>Third level</a:t>
+            </a:r>
+          </a:p>
+          <a:p>
+            <a:pPr lvl="3"/>
+            <a:r>
+              <a:rPr lang="en-US" dirty="0"/>
+              <a:t>Fourth level</a:t>
+            </a:r>
+          </a:p>
+          <a:p>
+            <a:pPr lvl="4"/>
+            <a:r>
+              <a:rPr lang="en-US" dirty="0"/>
+              <a:t>Fifth level</a:t>
+            </a:r>
+            <a:endParaRPr lang="en-CH" dirty="0"/>
+          </a:p>
+        </p:txBody>
+      </p:sp>
+      <p:sp>
+        <p:nvSpPr>
+          <p:cNvPr id="4" name="Text Placeholder 3">
+            <a:extLst>
+              <a:ext uri="{FF2B5EF4-FFF2-40B4-BE49-F238E27FC236}">
+                <a16:creationId xmlns:a16="http://schemas.microsoft.com/office/drawing/2014/main" id="{EF8CA0C6-2B85-43B4-92F5-635817B1E191}"/>
+              </a:ext>
+            </a:extLst>
+          </p:cNvPr>
+          <p:cNvSpPr>
+            <a:spLocks noGrp="1"/>
+          </p:cNvSpPr>
+          <p:nvPr>
+            <p:ph type="body" sz="quarter" idx="14"/>
+          </p:nvPr>
+        </p:nvSpPr>
+        <p:spPr>
+          <a:xfrm>
+            <a:off x="6172200" y="5781675"/>
+            <a:ext cx="5727700" cy="446088"/>
+          </a:xfrm>
+        </p:spPr>
+        <p:txBody>
+          <a:bodyPr>
+            <a:noAutofit/>
+          </a:bodyPr>
+          <a:lstStyle>
+            <a:lvl1pPr marL="0" indent="0">
+              <a:buFontTx/>
+              <a:buNone/>
+              <a:defRPr sz="1200"/>
+            </a:lvl1pPr>
+            <a:lvl2pPr marL="457200" indent="0">
+              <a:buFontTx/>
+              <a:buNone/>
+              <a:defRPr sz="1100"/>
+            </a:lvl2pPr>
+            <a:lvl3pPr marL="914400" indent="0">
+              <a:buFontTx/>
+              <a:buNone/>
+              <a:defRPr sz="1050"/>
+            </a:lvl3pPr>
+            <a:lvl4pPr marL="1371600" indent="0">
+              <a:buFontTx/>
+              <a:buNone/>
+              <a:defRPr sz="1000"/>
+            </a:lvl4pPr>
+            <a:lvl5pPr marL="1828800" indent="0">
+              <a:buFontTx/>
+              <a:buNone/>
+              <a:defRPr sz="1000"/>
+            </a:lvl5pPr>
+          </a:lstStyle>
+          <a:p>
+            <a:pPr lvl="0"/>
+            <a:r>
+              <a:rPr lang="en-US" dirty="0"/>
+              <a:t>Click to edit Master text styles</a:t>
+            </a:r>
+          </a:p>
+          <a:p>
+            <a:pPr lvl="1"/>
+            <a:r>
+              <a:rPr lang="en-US" dirty="0"/>
+              <a:t>Second level</a:t>
+            </a:r>
+          </a:p>
+          <a:p>
+            <a:pPr lvl="2"/>
+            <a:r>
+              <a:rPr lang="en-US" dirty="0"/>
+              <a:t>Third level</a:t>
+            </a:r>
+          </a:p>
+          <a:p>
+            <a:pPr lvl="3"/>
+            <a:r>
+              <a:rPr lang="en-US" dirty="0"/>
+              <a:t>Fourth level</a:t>
+            </a:r>
+          </a:p>
+          <a:p>
+            <a:pPr lvl="4"/>
+            <a:r>
+              <a:rPr lang="en-US" dirty="0"/>
+              <a:t>Fifth level</a:t>
+            </a:r>
+            <a:endParaRPr lang="en-CH" dirty="0"/>
+          </a:p>
+        </p:txBody>
+      </p:sp>
+    </p:spTree>
+    <p:extLst>
+      <p:ext uri="{BB962C8B-B14F-4D97-AF65-F5344CB8AC3E}">
+        <p14:creationId xmlns:p14="http://schemas.microsoft.com/office/powerpoint/2010/main" val="1216857061"/>
+      </p:ext>
+    </p:extLst>
+  </p:cSld>
+  <p:clrMapOvr>
+    <a:masterClrMapping/>
+  </p:clrMapOvr>
+</p:sldLayout>
+</file>
+
+<file path=ppt/slideLayouts/slideLayout11.xml><?xml version="1.0" encoding="utf-8"?>
+<p:sldLayout xmlns:a="http://schemas.openxmlformats.org/drawingml/2006/main" xmlns:r="http://schemas.openxmlformats.org/officeDocument/2006/relationships" xmlns:p="http://schemas.openxmlformats.org/presentationml/2006/main" type="twoTxTwoObj" preserve="1">
+  <p:cSld name="Comparison">
+    <p:spTree>
+      <p:nvGrpSpPr>
+        <p:cNvPr id="1" name=""/>
+        <p:cNvGrpSpPr/>
+        <p:nvPr/>
+      </p:nvGrpSpPr>
+      <p:grpSpPr>
+        <a:xfrm>
+          <a:off x="0" y="0"/>
+          <a:ext cx="0" cy="0"/>
+          <a:chOff x="0" y="0"/>
+          <a:chExt cx="0" cy="0"/>
+        </a:xfrm>
+      </p:grpSpPr>
+      <p:sp>
+        <p:nvSpPr>
+          <p:cNvPr id="2" name="Title 1">
+            <a:extLst>
+              <a:ext uri="{FF2B5EF4-FFF2-40B4-BE49-F238E27FC236}">
+                <a16:creationId xmlns:a16="http://schemas.microsoft.com/office/drawing/2014/main" id="{DDCEEDBF-B9EE-46CF-A2B0-8EE3479EFD83}"/>
+              </a:ext>
+            </a:extLst>
+          </p:cNvPr>
+          <p:cNvSpPr>
+            <a:spLocks noGrp="1"/>
+          </p:cNvSpPr>
+          <p:nvPr>
+            <p:ph type="title"/>
+          </p:nvPr>
+        </p:nvSpPr>
+        <p:spPr>
+          <a:xfrm>
+            <a:off x="839788" y="365125"/>
+            <a:ext cx="10515600" cy="1325563"/>
+          </a:xfrm>
+        </p:spPr>
+        <p:txBody>
+          <a:bodyPr/>
+          <a:lstStyle/>
+          <a:p>
+            <a:r>
+              <a:rPr lang="en-US"/>
+              <a:t>Click to edit Master title style</a:t>
+            </a:r>
+          </a:p>
+        </p:txBody>
+      </p:sp>
+      <p:sp>
+        <p:nvSpPr>
+          <p:cNvPr id="3" name="Text Placeholder 2">
+            <a:extLst>
+              <a:ext uri="{FF2B5EF4-FFF2-40B4-BE49-F238E27FC236}">
+                <a16:creationId xmlns:a16="http://schemas.microsoft.com/office/drawing/2014/main" id="{544AF6FB-AD6C-4882-81B0-96CE078AAFDE}"/>
+              </a:ext>
+            </a:extLst>
+          </p:cNvPr>
+          <p:cNvSpPr>
+            <a:spLocks noGrp="1"/>
+          </p:cNvSpPr>
+          <p:nvPr>
+            <p:ph type="body" idx="1"/>
+          </p:nvPr>
+        </p:nvSpPr>
+        <p:spPr>
+          <a:xfrm>
+            <a:off x="839788" y="1681163"/>
+            <a:ext cx="5157787" cy="823912"/>
+          </a:xfrm>
+        </p:spPr>
+        <p:txBody>
+          <a:bodyPr anchor="b"/>
+          <a:lstStyle>
+            <a:lvl1pPr marL="0" indent="0">
+              <a:buNone/>
+              <a:defRPr sz="2400" b="1"/>
+            </a:lvl1pPr>
+            <a:lvl2pPr marL="457200" indent="0">
+              <a:buNone/>
+              <a:defRPr sz="2000" b="1"/>
+            </a:lvl2pPr>
+            <a:lvl3pPr marL="914400" indent="0">
+              <a:buNone/>
+              <a:defRPr sz="1800" b="1"/>
+            </a:lvl3pPr>
+            <a:lvl4pPr marL="1371600" indent="0">
+              <a:buNone/>
+              <a:defRPr sz="1600" b="1"/>
+            </a:lvl4pPr>
+            <a:lvl5pPr marL="1828800" indent="0">
+              <a:buNone/>
+              <a:defRPr sz="1600" b="1"/>
+            </a:lvl5pPr>
+            <a:lvl6pPr marL="2286000" indent="0">
+              <a:buNone/>
+              <a:defRPr sz="1600" b="1"/>
+            </a:lvl6pPr>
+            <a:lvl7pPr marL="2743200" indent="0">
+              <a:buNone/>
+              <a:defRPr sz="1600" b="1"/>
+            </a:lvl7pPr>
+            <a:lvl8pPr marL="3200400" indent="0">
+              <a:buNone/>
+              <a:defRPr sz="1600" b="1"/>
+            </a:lvl8pPr>
+            <a:lvl9pPr marL="3657600" indent="0">
+              <a:buNone/>
+              <a:defRPr sz="1600" b="1"/>
+            </a:lvl9pPr>
+          </a:lstStyle>
+          <a:p>
+            <a:pPr lvl="0"/>
+            <a:r>
+              <a:rPr lang="en-US"/>
+              <a:t>Click to edit Master text styles</a:t>
+            </a:r>
+          </a:p>
+        </p:txBody>
+      </p:sp>
+      <p:sp>
+        <p:nvSpPr>
+          <p:cNvPr id="4" name="Content Placeholder 3">
+            <a:extLst>
+              <a:ext uri="{FF2B5EF4-FFF2-40B4-BE49-F238E27FC236}">
+                <a16:creationId xmlns:a16="http://schemas.microsoft.com/office/drawing/2014/main" id="{1533832D-5B97-457A-BE16-A272372A4631}"/>
+              </a:ext>
+            </a:extLst>
+          </p:cNvPr>
+          <p:cNvSpPr>
+            <a:spLocks noGrp="1"/>
+          </p:cNvSpPr>
+          <p:nvPr>
+            <p:ph sz="half" idx="2"/>
+          </p:nvPr>
+        </p:nvSpPr>
+        <p:spPr>
+          <a:xfrm>
+            <a:off x="839788" y="2505075"/>
+            <a:ext cx="5157787" cy="3684588"/>
+          </a:xfrm>
+        </p:spPr>
+        <p:txBody>
+          <a:bodyPr/>
+          <a:lstStyle/>
+          <a:p>
+            <a:pPr lvl="0"/>
+            <a:r>
+              <a:rPr lang="en-US"/>
+              <a:t>Click to edit Master text styles</a:t>
+            </a:r>
+          </a:p>
+          <a:p>
+            <a:pPr lvl="1"/>
+            <a:r>
+              <a:rPr lang="en-US"/>
+              <a:t>Second level</a:t>
+            </a:r>
+          </a:p>
+          <a:p>
+            <a:pPr lvl="2"/>
+            <a:r>
+              <a:rPr lang="en-US"/>
+              <a:t>Third level</a:t>
+            </a:r>
+          </a:p>
+          <a:p>
+            <a:pPr lvl="3"/>
+            <a:r>
+              <a:rPr lang="en-US"/>
+              <a:t>Fourth level</a:t>
+            </a:r>
+          </a:p>
+          <a:p>
+            <a:pPr lvl="4"/>
+            <a:r>
+              <a:rPr lang="en-US"/>
+              <a:t>Fifth level</a:t>
+            </a:r>
+          </a:p>
+        </p:txBody>
+      </p:sp>
+      <p:sp>
+        <p:nvSpPr>
+          <p:cNvPr id="5" name="Text Placeholder 4">
+            <a:extLst>
+              <a:ext uri="{FF2B5EF4-FFF2-40B4-BE49-F238E27FC236}">
+                <a16:creationId xmlns:a16="http://schemas.microsoft.com/office/drawing/2014/main" id="{EB0BE55C-A71C-4022-9131-15FEDC116784}"/>
+              </a:ext>
+            </a:extLst>
+          </p:cNvPr>
+          <p:cNvSpPr>
+            <a:spLocks noGrp="1"/>
+          </p:cNvSpPr>
+          <p:nvPr>
+            <p:ph type="body" sz="quarter" idx="3"/>
+          </p:nvPr>
+        </p:nvSpPr>
+        <p:spPr>
+          <a:xfrm>
+            <a:off x="6172200" y="1681163"/>
+            <a:ext cx="5183188" cy="823912"/>
+          </a:xfrm>
+        </p:spPr>
+        <p:txBody>
+          <a:bodyPr anchor="b"/>
+          <a:lstStyle>
+            <a:lvl1pPr marL="0" indent="0">
+              <a:buNone/>
+              <a:defRPr sz="2400" b="1"/>
+            </a:lvl1pPr>
+            <a:lvl2pPr marL="457200" indent="0">
+              <a:buNone/>
+              <a:defRPr sz="2000" b="1"/>
+            </a:lvl2pPr>
+            <a:lvl3pPr marL="914400" indent="0">
+              <a:buNone/>
+              <a:defRPr sz="1800" b="1"/>
+            </a:lvl3pPr>
+            <a:lvl4pPr marL="1371600" indent="0">
+              <a:buNone/>
+              <a:defRPr sz="1600" b="1"/>
+            </a:lvl4pPr>
+            <a:lvl5pPr marL="1828800" indent="0">
+              <a:buNone/>
+              <a:defRPr sz="1600" b="1"/>
+            </a:lvl5pPr>
+            <a:lvl6pPr marL="2286000" indent="0">
+              <a:buNone/>
+              <a:defRPr sz="1600" b="1"/>
+            </a:lvl6pPr>
+            <a:lvl7pPr marL="2743200" indent="0">
+              <a:buNone/>
+              <a:defRPr sz="1600" b="1"/>
+            </a:lvl7pPr>
+            <a:lvl8pPr marL="3200400" indent="0">
+              <a:buNone/>
+              <a:defRPr sz="1600" b="1"/>
+            </a:lvl8pPr>
+            <a:lvl9pPr marL="3657600" indent="0">
+              <a:buNone/>
+              <a:defRPr sz="1600" b="1"/>
+            </a:lvl9pPr>
+          </a:lstStyle>
+          <a:p>
+            <a:pPr lvl="0"/>
+            <a:r>
+              <a:rPr lang="en-US"/>
+              <a:t>Click to edit Master text styles</a:t>
+            </a:r>
+          </a:p>
+        </p:txBody>
+      </p:sp>
+      <p:sp>
+        <p:nvSpPr>
+          <p:cNvPr id="6" name="Content Placeholder 5">
+            <a:extLst>
+              <a:ext uri="{FF2B5EF4-FFF2-40B4-BE49-F238E27FC236}">
+                <a16:creationId xmlns:a16="http://schemas.microsoft.com/office/drawing/2014/main" id="{B42F743A-257A-4CB8-B95B-5C988CC62C5F}"/>
+              </a:ext>
+            </a:extLst>
+          </p:cNvPr>
+          <p:cNvSpPr>
+            <a:spLocks noGrp="1"/>
+          </p:cNvSpPr>
+          <p:nvPr>
+            <p:ph sz="quarter" idx="4"/>
+          </p:nvPr>
+        </p:nvSpPr>
+        <p:spPr>
+          <a:xfrm>
+            <a:off x="6172200" y="2505075"/>
+            <a:ext cx="5183188" cy="3684588"/>
+          </a:xfrm>
+        </p:spPr>
+        <p:txBody>
+          <a:bodyPr/>
+          <a:lstStyle/>
+          <a:p>
+            <a:pPr lvl="0"/>
+            <a:r>
+              <a:rPr lang="en-US"/>
+              <a:t>Click to edit Master text styles</a:t>
+            </a:r>
+          </a:p>
+          <a:p>
+            <a:pPr lvl="1"/>
+            <a:r>
+              <a:rPr lang="en-US"/>
+              <a:t>Second level</a:t>
+            </a:r>
+          </a:p>
+          <a:p>
+            <a:pPr lvl="2"/>
+            <a:r>
+              <a:rPr lang="en-US"/>
+              <a:t>Third level</a:t>
+            </a:r>
+          </a:p>
+          <a:p>
+            <a:pPr lvl="3"/>
+            <a:r>
+              <a:rPr lang="en-US"/>
+              <a:t>Fourth level</a:t>
+            </a:r>
+          </a:p>
+          <a:p>
+            <a:pPr lvl="4"/>
+            <a:r>
+              <a:rPr lang="en-US"/>
+              <a:t>Fifth level</a:t>
+            </a:r>
+          </a:p>
+        </p:txBody>
+      </p:sp>
+      <p:sp>
+        <p:nvSpPr>
+          <p:cNvPr id="7" name="Date Placeholder 6">
+            <a:extLst>
+              <a:ext uri="{FF2B5EF4-FFF2-40B4-BE49-F238E27FC236}">
+                <a16:creationId xmlns:a16="http://schemas.microsoft.com/office/drawing/2014/main" id="{D25E529E-3A21-43D7-BDFA-A5A848AC67B7}"/>
+              </a:ext>
+            </a:extLst>
+          </p:cNvPr>
+          <p:cNvSpPr>
+            <a:spLocks noGrp="1"/>
+          </p:cNvSpPr>
+          <p:nvPr>
+            <p:ph type="dt" sz="half" idx="10"/>
+          </p:nvPr>
+        </p:nvSpPr>
+        <p:spPr/>
+        <p:txBody>
+          <a:bodyPr/>
+          <a:lstStyle/>
+          <a:p>
+            <a:fld id="{7B272C57-2FA0-4A9D-99A4-6F756B65018B}" type="datetimeFigureOut">
+              <a:rPr lang="en-US" smtClean="0"/>
+              <a:t>1/11/2021</a:t>
+            </a:fld>
+            <a:endParaRPr lang="en-US"/>
+          </a:p>
+        </p:txBody>
+      </p:sp>
+      <p:sp>
+        <p:nvSpPr>
+          <p:cNvPr id="8" name="Footer Placeholder 7">
+            <a:extLst>
+              <a:ext uri="{FF2B5EF4-FFF2-40B4-BE49-F238E27FC236}">
+                <a16:creationId xmlns:a16="http://schemas.microsoft.com/office/drawing/2014/main" id="{E8A1AC98-0217-4FDD-B158-1F74B7A158CE}"/>
+              </a:ext>
+            </a:extLst>
+          </p:cNvPr>
+          <p:cNvSpPr>
+            <a:spLocks noGrp="1"/>
+          </p:cNvSpPr>
+          <p:nvPr>
+            <p:ph type="ftr" sz="quarter" idx="11"/>
+          </p:nvPr>
+        </p:nvSpPr>
+        <p:spPr/>
+        <p:txBody>
+          <a:bodyPr/>
+          <a:lstStyle/>
+          <a:p>
+            <a:endParaRPr lang="en-US"/>
+          </a:p>
+        </p:txBody>
+      </p:sp>
+      <p:sp>
+        <p:nvSpPr>
+          <p:cNvPr id="9" name="Slide Number Placeholder 8">
+            <a:extLst>
+              <a:ext uri="{FF2B5EF4-FFF2-40B4-BE49-F238E27FC236}">
+                <a16:creationId xmlns:a16="http://schemas.microsoft.com/office/drawing/2014/main" id="{38112B28-E129-463E-A880-BAB46D30BA21}"/>
+              </a:ext>
+            </a:extLst>
+          </p:cNvPr>
+          <p:cNvSpPr>
+            <a:spLocks noGrp="1"/>
+          </p:cNvSpPr>
+          <p:nvPr>
+            <p:ph type="sldNum" sz="quarter" idx="12"/>
+          </p:nvPr>
+        </p:nvSpPr>
+        <p:spPr/>
+        <p:txBody>
+          <a:bodyPr/>
+          <a:lstStyle/>
+          <a:p>
+            <a:fld id="{C064A79B-B315-413E-88BB-EFE0B5D603D0}" type="slidenum">
+              <a:rPr lang="en-US" smtClean="0"/>
+              <a:t>‹#›</a:t>
+            </a:fld>
+            <a:endParaRPr lang="en-US"/>
+          </a:p>
+        </p:txBody>
+      </p:sp>
+    </p:spTree>
+    <p:extLst>
+      <p:ext uri="{BB962C8B-B14F-4D97-AF65-F5344CB8AC3E}">
+        <p14:creationId xmlns:p14="http://schemas.microsoft.com/office/powerpoint/2010/main" val="3298881254"/>
+      </p:ext>
+    </p:extLst>
+  </p:cSld>
+  <p:clrMapOvr>
+    <a:masterClrMapping/>
+  </p:clrMapOvr>
+</p:sldLayout>
+</file>
+
+<file path=ppt/slideLayouts/slideLayout12.xml><?xml version="1.0" encoding="utf-8"?>
 <p:sldLayout xmlns:a="http://schemas.openxmlformats.org/drawingml/2006/main" xmlns:r="http://schemas.openxmlformats.org/officeDocument/2006/relationships" xmlns:p="http://schemas.openxmlformats.org/presentationml/2006/main" type="titleOnly" preserve="1">
   <p:cSld name="Title Only">
     <p:spTree>
@@ -424,7 +1301,7 @@
           <a:p>
             <a:fld id="{7B272C57-2FA0-4A9D-99A4-6F756B65018B}" type="datetimeFigureOut">
               <a:rPr lang="en-US" smtClean="0"/>
-              <a:t>4/23/2020</a:t>
+              <a:t>1/11/2021</a:t>
             </a:fld>
             <a:endParaRPr lang="en-US"/>
           </a:p>
@@ -497,7 +1374,7 @@
 </p:sldLayout>
 </file>
 
-<file path=ppt/slideLayouts/slideLayout11.xml><?xml version="1.0" encoding="utf-8"?>
+<file path=ppt/slideLayouts/slideLayout13.xml><?xml version="1.0" encoding="utf-8"?>
 <p:sldLayout xmlns:a="http://schemas.openxmlformats.org/drawingml/2006/main" xmlns:r="http://schemas.openxmlformats.org/officeDocument/2006/relationships" xmlns:p="http://schemas.openxmlformats.org/presentationml/2006/main" type="blank" preserve="1">
   <p:cSld name="Blank">
     <p:spTree>
@@ -537,7 +1414,7 @@
           <a:p>
             <a:fld id="{7B272C57-2FA0-4A9D-99A4-6F756B65018B}" type="datetimeFigureOut">
               <a:rPr lang="en-US" smtClean="0"/>
-              <a:t>4/23/2020</a:t>
+              <a:t>1/11/2021</a:t>
             </a:fld>
             <a:endParaRPr lang="en-US"/>
           </a:p>
@@ -610,7 +1487,7 @@
 </p:sldLayout>
 </file>
 
-<file path=ppt/slideLayouts/slideLayout12.xml><?xml version="1.0" encoding="utf-8"?>
+<file path=ppt/slideLayouts/slideLayout14.xml><?xml version="1.0" encoding="utf-8"?>
 <p:sldLayout xmlns:a="http://schemas.openxmlformats.org/drawingml/2006/main" xmlns:r="http://schemas.openxmlformats.org/officeDocument/2006/relationships" xmlns:p="http://schemas.openxmlformats.org/presentationml/2006/main" type="objTx" preserve="1">
   <p:cSld name="Content with Caption">
     <p:spTree>
@@ -848,7 +1725,7 @@
           <a:p>
             <a:fld id="{7B272C57-2FA0-4A9D-99A4-6F756B65018B}" type="datetimeFigureOut">
               <a:rPr lang="en-US" smtClean="0"/>
-              <a:t>4/23/2020</a:t>
+              <a:t>1/11/2021</a:t>
             </a:fld>
             <a:endParaRPr lang="en-US"/>
           </a:p>
@@ -921,7 +1798,7 @@
 </p:sldLayout>
 </file>
 
-<file path=ppt/slideLayouts/slideLayout13.xml><?xml version="1.0" encoding="utf-8"?>
+<file path=ppt/slideLayouts/slideLayout15.xml><?xml version="1.0" encoding="utf-8"?>
 <p:sldLayout xmlns:a="http://schemas.openxmlformats.org/drawingml/2006/main" xmlns:r="http://schemas.openxmlformats.org/officeDocument/2006/relationships" xmlns:p="http://schemas.openxmlformats.org/presentationml/2006/main" type="picTx" preserve="1">
   <p:cSld name="Picture with Caption">
     <p:spTree>
@@ -1136,7 +2013,7 @@
           <a:p>
             <a:fld id="{7B272C57-2FA0-4A9D-99A4-6F756B65018B}" type="datetimeFigureOut">
               <a:rPr lang="en-US" smtClean="0"/>
-              <a:t>4/23/2020</a:t>
+              <a:t>1/11/2021</a:t>
             </a:fld>
             <a:endParaRPr lang="en-US"/>
           </a:p>
@@ -1209,7 +2086,7 @@
 </p:sldLayout>
 </file>
 
-<file path=ppt/slideLayouts/slideLayout14.xml><?xml version="1.0" encoding="utf-8"?>
+<file path=ppt/slideLayouts/slideLayout16.xml><?xml version="1.0" encoding="utf-8"?>
 <p:sldLayout xmlns:a="http://schemas.openxmlformats.org/drawingml/2006/main" xmlns:r="http://schemas.openxmlformats.org/officeDocument/2006/relationships" xmlns:p="http://schemas.openxmlformats.org/presentationml/2006/main" type="vertTx" preserve="1">
   <p:cSld name="Title and Vertical Text">
     <p:spTree>
@@ -1334,7 +2211,7 @@
           <a:p>
             <a:fld id="{7B272C57-2FA0-4A9D-99A4-6F756B65018B}" type="datetimeFigureOut">
               <a:rPr lang="en-US" smtClean="0"/>
-              <a:t>4/23/2020</a:t>
+              <a:t>1/11/2021</a:t>
             </a:fld>
             <a:endParaRPr lang="en-US"/>
           </a:p>
@@ -1407,7 +2284,7 @@
 </p:sldLayout>
 </file>
 
-<file path=ppt/slideLayouts/slideLayout15.xml><?xml version="1.0" encoding="utf-8"?>
+<file path=ppt/slideLayouts/slideLayout17.xml><?xml version="1.0" encoding="utf-8"?>
 <p:sldLayout xmlns:a="http://schemas.openxmlformats.org/drawingml/2006/main" xmlns:r="http://schemas.openxmlformats.org/officeDocument/2006/relationships" xmlns:p="http://schemas.openxmlformats.org/presentationml/2006/main" type="vertTitleAndTx" preserve="1">
   <p:cSld name="Vertical Title and Text">
     <p:spTree>
@@ -1542,7 +2419,7 @@
           <a:p>
             <a:fld id="{7B272C57-2FA0-4A9D-99A4-6F756B65018B}" type="datetimeFigureOut">
               <a:rPr lang="en-US" smtClean="0"/>
-              <a:t>4/23/2020</a:t>
+              <a:t>1/11/2021</a:t>
             </a:fld>
             <a:endParaRPr lang="en-US"/>
           </a:p>
@@ -1745,7 +2622,7 @@
           <a:p>
             <a:fld id="{7B272C57-2FA0-4A9D-99A4-6F756B65018B}" type="datetimeFigureOut">
               <a:rPr lang="en-US" smtClean="0"/>
-              <a:t>4/23/2020</a:t>
+              <a:t>1/11/2021</a:t>
             </a:fld>
             <a:endParaRPr lang="en-US"/>
           </a:p>
@@ -1819,6 +2696,284 @@
 </file>
 
 <file path=ppt/slideLayouts/slideLayout3.xml><?xml version="1.0" encoding="utf-8"?>
+<p:sldLayout xmlns:a="http://schemas.openxmlformats.org/drawingml/2006/main" xmlns:r="http://schemas.openxmlformats.org/officeDocument/2006/relationships" xmlns:p="http://schemas.openxmlformats.org/presentationml/2006/main" type="obj" preserve="1">
+  <p:cSld name="Title and Content Wide">
+    <p:spTree>
+      <p:nvGrpSpPr>
+        <p:cNvPr id="1" name=""/>
+        <p:cNvGrpSpPr/>
+        <p:nvPr/>
+      </p:nvGrpSpPr>
+      <p:grpSpPr>
+        <a:xfrm>
+          <a:off x="0" y="0"/>
+          <a:ext cx="0" cy="0"/>
+          <a:chOff x="0" y="0"/>
+          <a:chExt cx="0" cy="0"/>
+        </a:xfrm>
+      </p:grpSpPr>
+      <p:sp>
+        <p:nvSpPr>
+          <p:cNvPr id="2" name="Title 1">
+            <a:extLst>
+              <a:ext uri="{FF2B5EF4-FFF2-40B4-BE49-F238E27FC236}">
+                <a16:creationId xmlns:a16="http://schemas.microsoft.com/office/drawing/2014/main" id="{4905F3F5-CD26-4383-BCD3-A8D434E2D639}"/>
+              </a:ext>
+            </a:extLst>
+          </p:cNvPr>
+          <p:cNvSpPr>
+            <a:spLocks noGrp="1"/>
+          </p:cNvSpPr>
+          <p:nvPr>
+            <p:ph type="title"/>
+          </p:nvPr>
+        </p:nvSpPr>
+        <p:spPr>
+          <a:xfrm>
+            <a:off x="0" y="0"/>
+            <a:ext cx="3600000" cy="6858000"/>
+          </a:xfrm>
+        </p:spPr>
+        <p:txBody>
+          <a:bodyPr/>
+          <a:lstStyle/>
+          <a:p>
+            <a:r>
+              <a:rPr lang="en-US" dirty="0"/>
+              <a:t>Click to edit Master title style</a:t>
+            </a:r>
+          </a:p>
+        </p:txBody>
+      </p:sp>
+      <p:sp>
+        <p:nvSpPr>
+          <p:cNvPr id="3" name="Content Placeholder 2">
+            <a:extLst>
+              <a:ext uri="{FF2B5EF4-FFF2-40B4-BE49-F238E27FC236}">
+                <a16:creationId xmlns:a16="http://schemas.microsoft.com/office/drawing/2014/main" id="{3FBC0A59-A7F8-4091-BC22-97B46458BECE}"/>
+              </a:ext>
+            </a:extLst>
+          </p:cNvPr>
+          <p:cNvSpPr>
+            <a:spLocks noGrp="1"/>
+          </p:cNvSpPr>
+          <p:nvPr>
+            <p:ph idx="1"/>
+          </p:nvPr>
+        </p:nvSpPr>
+        <p:spPr>
+          <a:xfrm>
+            <a:off x="3763477" y="136525"/>
+            <a:ext cx="8136249" cy="6040438"/>
+          </a:xfrm>
+        </p:spPr>
+        <p:txBody>
+          <a:bodyPr/>
+          <a:lstStyle/>
+          <a:p>
+            <a:pPr lvl="0"/>
+            <a:r>
+              <a:rPr lang="en-US"/>
+              <a:t>Click to edit Master text styles</a:t>
+            </a:r>
+          </a:p>
+          <a:p>
+            <a:pPr lvl="1"/>
+            <a:r>
+              <a:rPr lang="en-US"/>
+              <a:t>Second level</a:t>
+            </a:r>
+          </a:p>
+          <a:p>
+            <a:pPr lvl="2"/>
+            <a:r>
+              <a:rPr lang="en-US"/>
+              <a:t>Third level</a:t>
+            </a:r>
+          </a:p>
+          <a:p>
+            <a:pPr lvl="3"/>
+            <a:r>
+              <a:rPr lang="en-US"/>
+              <a:t>Fourth level</a:t>
+            </a:r>
+          </a:p>
+          <a:p>
+            <a:pPr lvl="4"/>
+            <a:r>
+              <a:rPr lang="en-US"/>
+              <a:t>Fifth level</a:t>
+            </a:r>
+          </a:p>
+        </p:txBody>
+      </p:sp>
+      <p:sp>
+        <p:nvSpPr>
+          <p:cNvPr id="4" name="Date Placeholder 3">
+            <a:extLst>
+              <a:ext uri="{FF2B5EF4-FFF2-40B4-BE49-F238E27FC236}">
+                <a16:creationId xmlns:a16="http://schemas.microsoft.com/office/drawing/2014/main" id="{5E4D15F2-B97A-4D46-A56B-AACA64275B31}"/>
+              </a:ext>
+            </a:extLst>
+          </p:cNvPr>
+          <p:cNvSpPr>
+            <a:spLocks noGrp="1"/>
+          </p:cNvSpPr>
+          <p:nvPr>
+            <p:ph type="dt" sz="half" idx="10"/>
+          </p:nvPr>
+        </p:nvSpPr>
+        <p:spPr>
+          <a:xfrm>
+            <a:off x="250521" y="6356349"/>
+            <a:ext cx="1924788" cy="365125"/>
+          </a:xfrm>
+        </p:spPr>
+        <p:txBody>
+          <a:bodyPr/>
+          <a:lstStyle/>
+          <a:p>
+            <a:fld id="{7B272C57-2FA0-4A9D-99A4-6F756B65018B}" type="datetimeFigureOut">
+              <a:rPr lang="en-US" smtClean="0"/>
+              <a:t>1/11/2021</a:t>
+            </a:fld>
+            <a:endParaRPr lang="en-US" dirty="0"/>
+          </a:p>
+        </p:txBody>
+      </p:sp>
+      <p:sp>
+        <p:nvSpPr>
+          <p:cNvPr id="5" name="Footer Placeholder 4">
+            <a:extLst>
+              <a:ext uri="{FF2B5EF4-FFF2-40B4-BE49-F238E27FC236}">
+                <a16:creationId xmlns:a16="http://schemas.microsoft.com/office/drawing/2014/main" id="{EFDF8A97-3399-44D7-ACF7-3642988247E1}"/>
+              </a:ext>
+            </a:extLst>
+          </p:cNvPr>
+          <p:cNvSpPr>
+            <a:spLocks noGrp="1"/>
+          </p:cNvSpPr>
+          <p:nvPr>
+            <p:ph type="ftr" sz="quarter" idx="11"/>
+          </p:nvPr>
+        </p:nvSpPr>
+        <p:spPr>
+          <a:xfrm>
+            <a:off x="3763477" y="6356347"/>
+            <a:ext cx="6811487" cy="365125"/>
+          </a:xfrm>
+        </p:spPr>
+        <p:txBody>
+          <a:bodyPr/>
+          <a:lstStyle/>
+          <a:p>
+            <a:endParaRPr lang="en-US"/>
+          </a:p>
+        </p:txBody>
+      </p:sp>
+      <p:sp>
+        <p:nvSpPr>
+          <p:cNvPr id="6" name="Slide Number Placeholder 5">
+            <a:extLst>
+              <a:ext uri="{FF2B5EF4-FFF2-40B4-BE49-F238E27FC236}">
+                <a16:creationId xmlns:a16="http://schemas.microsoft.com/office/drawing/2014/main" id="{BCBF6AC6-8F39-4227-B48E-79664419D365}"/>
+              </a:ext>
+            </a:extLst>
+          </p:cNvPr>
+          <p:cNvSpPr>
+            <a:spLocks noGrp="1"/>
+          </p:cNvSpPr>
+          <p:nvPr>
+            <p:ph type="sldNum" sz="quarter" idx="12"/>
+          </p:nvPr>
+        </p:nvSpPr>
+        <p:spPr>
+          <a:xfrm>
+            <a:off x="10689921" y="6356348"/>
+            <a:ext cx="1209805" cy="365125"/>
+          </a:xfrm>
+          <a:solidFill>
+            <a:schemeClr val="bg1"/>
+          </a:solidFill>
+        </p:spPr>
+        <p:txBody>
+          <a:bodyPr/>
+          <a:lstStyle/>
+          <a:p>
+            <a:fld id="{C064A79B-B315-413E-88BB-EFE0B5D603D0}" type="slidenum">
+              <a:rPr lang="en-US" smtClean="0"/>
+              <a:t>‹#›</a:t>
+            </a:fld>
+            <a:endParaRPr lang="en-US"/>
+          </a:p>
+        </p:txBody>
+      </p:sp>
+      <p:sp>
+        <p:nvSpPr>
+          <p:cNvPr id="7" name="TextBox 6">
+            <a:extLst>
+              <a:ext uri="{FF2B5EF4-FFF2-40B4-BE49-F238E27FC236}">
+                <a16:creationId xmlns:a16="http://schemas.microsoft.com/office/drawing/2014/main" id="{8CBBE93D-AA4B-4660-AFA2-2E9EE05E2CD8}"/>
+              </a:ext>
+            </a:extLst>
+          </p:cNvPr>
+          <p:cNvSpPr txBox="1"/>
+          <p:nvPr userDrawn="1"/>
+        </p:nvSpPr>
+        <p:spPr>
+          <a:xfrm>
+            <a:off x="2415622" y="6352143"/>
+            <a:ext cx="1014046" cy="369332"/>
+          </a:xfrm>
+          <a:prstGeom prst="rect">
+            <a:avLst/>
+          </a:prstGeom>
+          <a:noFill/>
+        </p:spPr>
+        <p:txBody>
+          <a:bodyPr wrap="square" rtlCol="0">
+            <a:spAutoFit/>
+          </a:bodyPr>
+          <a:lstStyle/>
+          <a:p>
+            <a:r>
+              <a:rPr lang="en-US" b="1" dirty="0">
+                <a:solidFill>
+                  <a:srgbClr val="9FA82E"/>
+                </a:solidFill>
+              </a:rPr>
+              <a:t>IQR</a:t>
+            </a:r>
+            <a:r>
+              <a:rPr lang="en-US" b="1" dirty="0">
+                <a:solidFill>
+                  <a:schemeClr val="bg1"/>
+                </a:solidFill>
+              </a:rPr>
+              <a:t>tools</a:t>
+            </a:r>
+            <a:endParaRPr lang="en-CH" b="1" dirty="0">
+              <a:solidFill>
+                <a:schemeClr val="bg1"/>
+              </a:solidFill>
+            </a:endParaRPr>
+          </a:p>
+        </p:txBody>
+      </p:sp>
+    </p:spTree>
+    <p:extLst>
+      <p:ext uri="{BB962C8B-B14F-4D97-AF65-F5344CB8AC3E}">
+        <p14:creationId xmlns:p14="http://schemas.microsoft.com/office/powerpoint/2010/main" val="3335664420"/>
+      </p:ext>
+    </p:extLst>
+  </p:cSld>
+  <p:clrMapOvr>
+    <a:masterClrMapping/>
+  </p:clrMapOvr>
+</p:sldLayout>
+</file>
+
+<file path=ppt/slideLayouts/slideLayout4.xml><?xml version="1.0" encoding="utf-8"?>
 <p:sldLayout xmlns:a="http://schemas.openxmlformats.org/drawingml/2006/main" xmlns:r="http://schemas.openxmlformats.org/officeDocument/2006/relationships" xmlns:p="http://schemas.openxmlformats.org/presentationml/2006/main" preserve="1" userDrawn="1">
   <p:cSld name="Title and Content and Caption">
     <p:spTree>
@@ -1953,7 +3108,7 @@
           <a:p>
             <a:fld id="{7B272C57-2FA0-4A9D-99A4-6F756B65018B}" type="datetimeFigureOut">
               <a:rPr lang="en-US" smtClean="0"/>
-              <a:t>4/23/2020</a:t>
+              <a:t>1/11/2021</a:t>
             </a:fld>
             <a:endParaRPr lang="en-US"/>
           </a:p>
@@ -2112,7 +3267,371 @@
 </p:sldLayout>
 </file>
 
-<file path=ppt/slideLayouts/slideLayout4.xml><?xml version="1.0" encoding="utf-8"?>
+<file path=ppt/slideLayouts/slideLayout5.xml><?xml version="1.0" encoding="utf-8"?>
+<p:sldLayout xmlns:a="http://schemas.openxmlformats.org/drawingml/2006/main" xmlns:r="http://schemas.openxmlformats.org/officeDocument/2006/relationships" xmlns:p="http://schemas.openxmlformats.org/presentationml/2006/main" preserve="1" userDrawn="1">
+  <p:cSld name="Title and Content and Caption Wide">
+    <p:spTree>
+      <p:nvGrpSpPr>
+        <p:cNvPr id="1" name=""/>
+        <p:cNvGrpSpPr/>
+        <p:nvPr/>
+      </p:nvGrpSpPr>
+      <p:grpSpPr>
+        <a:xfrm>
+          <a:off x="0" y="0"/>
+          <a:ext cx="0" cy="0"/>
+          <a:chOff x="0" y="0"/>
+          <a:chExt cx="0" cy="0"/>
+        </a:xfrm>
+      </p:grpSpPr>
+      <p:sp>
+        <p:nvSpPr>
+          <p:cNvPr id="2" name="Title 1">
+            <a:extLst>
+              <a:ext uri="{FF2B5EF4-FFF2-40B4-BE49-F238E27FC236}">
+                <a16:creationId xmlns:a16="http://schemas.microsoft.com/office/drawing/2014/main" id="{4905F3F5-CD26-4383-BCD3-A8D434E2D639}"/>
+              </a:ext>
+            </a:extLst>
+          </p:cNvPr>
+          <p:cNvSpPr>
+            <a:spLocks noGrp="1"/>
+          </p:cNvSpPr>
+          <p:nvPr>
+            <p:ph type="title"/>
+          </p:nvPr>
+        </p:nvSpPr>
+        <p:spPr>
+          <a:xfrm>
+            <a:off x="0" y="0"/>
+            <a:ext cx="3600000" cy="6858000"/>
+          </a:xfrm>
+        </p:spPr>
+        <p:txBody>
+          <a:bodyPr/>
+          <a:lstStyle/>
+          <a:p>
+            <a:r>
+              <a:rPr lang="en-US" dirty="0"/>
+              <a:t>Click to edit Master title style</a:t>
+            </a:r>
+          </a:p>
+        </p:txBody>
+      </p:sp>
+      <p:sp>
+        <p:nvSpPr>
+          <p:cNvPr id="3" name="Content Placeholder 2">
+            <a:extLst>
+              <a:ext uri="{FF2B5EF4-FFF2-40B4-BE49-F238E27FC236}">
+                <a16:creationId xmlns:a16="http://schemas.microsoft.com/office/drawing/2014/main" id="{3FBC0A59-A7F8-4091-BC22-97B46458BECE}"/>
+              </a:ext>
+            </a:extLst>
+          </p:cNvPr>
+          <p:cNvSpPr>
+            <a:spLocks noGrp="1"/>
+          </p:cNvSpPr>
+          <p:nvPr>
+            <p:ph idx="1"/>
+          </p:nvPr>
+        </p:nvSpPr>
+        <p:spPr>
+          <a:xfrm>
+            <a:off x="3773103" y="136525"/>
+            <a:ext cx="8126624" cy="5570311"/>
+          </a:xfrm>
+        </p:spPr>
+        <p:txBody>
+          <a:bodyPr/>
+          <a:lstStyle/>
+          <a:p>
+            <a:pPr lvl="0"/>
+            <a:r>
+              <a:rPr lang="en-US"/>
+              <a:t>Click to edit Master text styles</a:t>
+            </a:r>
+          </a:p>
+          <a:p>
+            <a:pPr lvl="1"/>
+            <a:r>
+              <a:rPr lang="en-US"/>
+              <a:t>Second level</a:t>
+            </a:r>
+          </a:p>
+          <a:p>
+            <a:pPr lvl="2"/>
+            <a:r>
+              <a:rPr lang="en-US"/>
+              <a:t>Third level</a:t>
+            </a:r>
+          </a:p>
+          <a:p>
+            <a:pPr lvl="3"/>
+            <a:r>
+              <a:rPr lang="en-US"/>
+              <a:t>Fourth level</a:t>
+            </a:r>
+          </a:p>
+          <a:p>
+            <a:pPr lvl="4"/>
+            <a:r>
+              <a:rPr lang="en-US"/>
+              <a:t>Fifth level</a:t>
+            </a:r>
+          </a:p>
+        </p:txBody>
+      </p:sp>
+      <p:sp>
+        <p:nvSpPr>
+          <p:cNvPr id="4" name="Date Placeholder 3">
+            <a:extLst>
+              <a:ext uri="{FF2B5EF4-FFF2-40B4-BE49-F238E27FC236}">
+                <a16:creationId xmlns:a16="http://schemas.microsoft.com/office/drawing/2014/main" id="{5E4D15F2-B97A-4D46-A56B-AACA64275B31}"/>
+              </a:ext>
+            </a:extLst>
+          </p:cNvPr>
+          <p:cNvSpPr>
+            <a:spLocks noGrp="1"/>
+          </p:cNvSpPr>
+          <p:nvPr>
+            <p:ph type="dt" sz="half" idx="10"/>
+          </p:nvPr>
+        </p:nvSpPr>
+        <p:spPr>
+          <a:xfrm>
+            <a:off x="250521" y="6356349"/>
+            <a:ext cx="1751534" cy="365125"/>
+          </a:xfrm>
+        </p:spPr>
+        <p:txBody>
+          <a:bodyPr/>
+          <a:lstStyle/>
+          <a:p>
+            <a:fld id="{7B272C57-2FA0-4A9D-99A4-6F756B65018B}" type="datetimeFigureOut">
+              <a:rPr lang="en-US" smtClean="0"/>
+              <a:t>1/11/2021</a:t>
+            </a:fld>
+            <a:endParaRPr lang="en-US"/>
+          </a:p>
+        </p:txBody>
+      </p:sp>
+      <p:sp>
+        <p:nvSpPr>
+          <p:cNvPr id="5" name="Footer Placeholder 4">
+            <a:extLst>
+              <a:ext uri="{FF2B5EF4-FFF2-40B4-BE49-F238E27FC236}">
+                <a16:creationId xmlns:a16="http://schemas.microsoft.com/office/drawing/2014/main" id="{EFDF8A97-3399-44D7-ACF7-3642988247E1}"/>
+              </a:ext>
+            </a:extLst>
+          </p:cNvPr>
+          <p:cNvSpPr>
+            <a:spLocks noGrp="1"/>
+          </p:cNvSpPr>
+          <p:nvPr>
+            <p:ph type="ftr" sz="quarter" idx="11"/>
+          </p:nvPr>
+        </p:nvSpPr>
+        <p:spPr>
+          <a:xfrm>
+            <a:off x="3773101" y="6356350"/>
+            <a:ext cx="6747312" cy="365125"/>
+          </a:xfrm>
+        </p:spPr>
+        <p:txBody>
+          <a:bodyPr/>
+          <a:lstStyle/>
+          <a:p>
+            <a:endParaRPr lang="en-US"/>
+          </a:p>
+        </p:txBody>
+      </p:sp>
+      <p:sp>
+        <p:nvSpPr>
+          <p:cNvPr id="6" name="Slide Number Placeholder 5">
+            <a:extLst>
+              <a:ext uri="{FF2B5EF4-FFF2-40B4-BE49-F238E27FC236}">
+                <a16:creationId xmlns:a16="http://schemas.microsoft.com/office/drawing/2014/main" id="{BCBF6AC6-8F39-4227-B48E-79664419D365}"/>
+              </a:ext>
+            </a:extLst>
+          </p:cNvPr>
+          <p:cNvSpPr>
+            <a:spLocks noGrp="1"/>
+          </p:cNvSpPr>
+          <p:nvPr>
+            <p:ph type="sldNum" sz="quarter" idx="12"/>
+          </p:nvPr>
+        </p:nvSpPr>
+        <p:spPr>
+          <a:xfrm>
+            <a:off x="10689921" y="6356348"/>
+            <a:ext cx="1209805" cy="365125"/>
+          </a:xfrm>
+          <a:solidFill>
+            <a:schemeClr val="bg1"/>
+          </a:solidFill>
+        </p:spPr>
+        <p:txBody>
+          <a:bodyPr/>
+          <a:lstStyle/>
+          <a:p>
+            <a:fld id="{C064A79B-B315-413E-88BB-EFE0B5D603D0}" type="slidenum">
+              <a:rPr lang="en-US" smtClean="0"/>
+              <a:t>‹#›</a:t>
+            </a:fld>
+            <a:endParaRPr lang="en-US"/>
+          </a:p>
+        </p:txBody>
+      </p:sp>
+      <p:sp>
+        <p:nvSpPr>
+          <p:cNvPr id="9" name="Text Placeholder 8">
+            <a:extLst>
+              <a:ext uri="{FF2B5EF4-FFF2-40B4-BE49-F238E27FC236}">
+                <a16:creationId xmlns:a16="http://schemas.microsoft.com/office/drawing/2014/main" id="{F6B30566-8B30-4362-BCB6-7F3B3746AF24}"/>
+              </a:ext>
+            </a:extLst>
+          </p:cNvPr>
+          <p:cNvSpPr>
+            <a:spLocks noGrp="1"/>
+          </p:cNvSpPr>
+          <p:nvPr>
+            <p:ph type="body" sz="quarter" idx="13"/>
+          </p:nvPr>
+        </p:nvSpPr>
+        <p:spPr>
+          <a:xfrm>
+            <a:off x="3773101" y="5816374"/>
+            <a:ext cx="8126625" cy="365125"/>
+          </a:xfrm>
+        </p:spPr>
+        <p:txBody>
+          <a:bodyPr>
+            <a:noAutofit/>
+          </a:bodyPr>
+          <a:lstStyle>
+            <a:lvl1pPr marL="0" indent="0">
+              <a:buNone/>
+              <a:defRPr sz="1200"/>
+            </a:lvl1pPr>
+            <a:lvl2pPr marL="457200" indent="0">
+              <a:buNone/>
+              <a:defRPr sz="1100"/>
+            </a:lvl2pPr>
+            <a:lvl3pPr marL="914400" indent="0">
+              <a:buNone/>
+              <a:defRPr sz="1050"/>
+            </a:lvl3pPr>
+            <a:lvl4pPr marL="1371600" indent="0">
+              <a:buNone/>
+              <a:defRPr sz="1000"/>
+            </a:lvl4pPr>
+            <a:lvl5pPr marL="1828800" indent="0">
+              <a:buNone/>
+              <a:defRPr sz="1000"/>
+            </a:lvl5pPr>
+          </a:lstStyle>
+          <a:p>
+            <a:pPr lvl="0"/>
+            <a:r>
+              <a:rPr lang="en-US" dirty="0"/>
+              <a:t>Click to edit Master text styles</a:t>
+            </a:r>
+          </a:p>
+          <a:p>
+            <a:pPr lvl="1"/>
+            <a:r>
+              <a:rPr lang="en-US" dirty="0"/>
+              <a:t>Second level</a:t>
+            </a:r>
+          </a:p>
+          <a:p>
+            <a:pPr lvl="2"/>
+            <a:r>
+              <a:rPr lang="en-US" dirty="0"/>
+              <a:t>Third level</a:t>
+            </a:r>
+          </a:p>
+          <a:p>
+            <a:pPr lvl="3"/>
+            <a:r>
+              <a:rPr lang="en-US" dirty="0"/>
+              <a:t>Fourth level</a:t>
+            </a:r>
+          </a:p>
+          <a:p>
+            <a:pPr lvl="4"/>
+            <a:r>
+              <a:rPr lang="en-US" dirty="0"/>
+              <a:t>Fifth level</a:t>
+            </a:r>
+            <a:endParaRPr lang="en-CH" dirty="0"/>
+          </a:p>
+        </p:txBody>
+      </p:sp>
+      <p:sp>
+        <p:nvSpPr>
+          <p:cNvPr id="8" name="TextBox 7">
+            <a:extLst>
+              <a:ext uri="{FF2B5EF4-FFF2-40B4-BE49-F238E27FC236}">
+                <a16:creationId xmlns:a16="http://schemas.microsoft.com/office/drawing/2014/main" id="{FF73CFF0-DE98-4FDB-9580-F0D07D3FE050}"/>
+              </a:ext>
+            </a:extLst>
+          </p:cNvPr>
+          <p:cNvSpPr txBox="1"/>
+          <p:nvPr userDrawn="1"/>
+        </p:nvSpPr>
+        <p:spPr>
+          <a:xfrm>
+            <a:off x="2415622" y="6352143"/>
+            <a:ext cx="1014046" cy="369332"/>
+          </a:xfrm>
+          <a:prstGeom prst="rect">
+            <a:avLst/>
+          </a:prstGeom>
+          <a:noFill/>
+        </p:spPr>
+        <p:txBody>
+          <a:bodyPr wrap="square" rtlCol="0">
+            <a:spAutoFit/>
+          </a:bodyPr>
+          <a:lstStyle/>
+          <a:p>
+            <a:r>
+              <a:rPr lang="en-US" b="1" dirty="0">
+                <a:solidFill>
+                  <a:srgbClr val="9FA82E"/>
+                </a:solidFill>
+              </a:rPr>
+              <a:t>IQR</a:t>
+            </a:r>
+            <a:r>
+              <a:rPr lang="en-US" b="1" dirty="0">
+                <a:solidFill>
+                  <a:schemeClr val="bg1"/>
+                </a:solidFill>
+              </a:rPr>
+              <a:t>tools</a:t>
+            </a:r>
+            <a:endParaRPr lang="en-CH" b="1" dirty="0">
+              <a:solidFill>
+                <a:schemeClr val="bg1"/>
+              </a:solidFill>
+            </a:endParaRPr>
+          </a:p>
+        </p:txBody>
+      </p:sp>
+    </p:spTree>
+    <p:extLst>
+      <p:ext uri="{BB962C8B-B14F-4D97-AF65-F5344CB8AC3E}">
+        <p14:creationId xmlns:p14="http://schemas.microsoft.com/office/powerpoint/2010/main" val="1285960738"/>
+      </p:ext>
+    </p:extLst>
+  </p:cSld>
+  <p:clrMapOvr>
+    <a:masterClrMapping/>
+  </p:clrMapOvr>
+</p:sldLayout>
+</file>
+
+<file path=ppt/slideLayouts/slideLayout6.xml><?xml version="1.0" encoding="utf-8"?>
 <p:sldLayout xmlns:a="http://schemas.openxmlformats.org/drawingml/2006/main" xmlns:r="http://schemas.openxmlformats.org/officeDocument/2006/relationships" xmlns:p="http://schemas.openxmlformats.org/presentationml/2006/main" type="secHead" preserve="1">
   <p:cSld name="Section Header">
     <p:spTree>
@@ -2314,7 +3833,7 @@
           <a:p>
             <a:fld id="{7B272C57-2FA0-4A9D-99A4-6F756B65018B}" type="datetimeFigureOut">
               <a:rPr lang="en-US" smtClean="0"/>
-              <a:t>4/23/2020</a:t>
+              <a:t>1/11/2021</a:t>
             </a:fld>
             <a:endParaRPr lang="en-US"/>
           </a:p>
@@ -2387,7 +3906,7 @@
 </p:sldLayout>
 </file>
 
-<file path=ppt/slideLayouts/slideLayout5.xml><?xml version="1.0" encoding="utf-8"?>
+<file path=ppt/slideLayouts/slideLayout7.xml><?xml version="1.0" encoding="utf-8"?>
 <p:sldLayout xmlns:a="http://schemas.openxmlformats.org/drawingml/2006/main" xmlns:r="http://schemas.openxmlformats.org/officeDocument/2006/relationships" xmlns:p="http://schemas.openxmlformats.org/presentationml/2006/main" preserve="1" userDrawn="1">
   <p:cSld name="Two Content">
     <p:bg>
@@ -2435,7 +3954,7 @@
           <a:p>
             <a:fld id="{7B272C57-2FA0-4A9D-99A4-6F756B65018B}" type="datetimeFigureOut">
               <a:rPr lang="en-US" smtClean="0"/>
-              <a:t>4/23/2020</a:t>
+              <a:t>1/11/2021</a:t>
             </a:fld>
             <a:endParaRPr lang="en-US"/>
           </a:p>
@@ -2672,7 +4191,7 @@
 </p:sldLayout>
 </file>
 
-<file path=ppt/slideLayouts/slideLayout6.xml><?xml version="1.0" encoding="utf-8"?>
+<file path=ppt/slideLayouts/slideLayout8.xml><?xml version="1.0" encoding="utf-8"?>
 <p:sldLayout xmlns:a="http://schemas.openxmlformats.org/drawingml/2006/main" xmlns:r="http://schemas.openxmlformats.org/officeDocument/2006/relationships" xmlns:p="http://schemas.openxmlformats.org/presentationml/2006/main" preserve="1" userDrawn="1">
   <p:cSld name="Two Content and Caption Right">
     <p:bg>
@@ -2720,7 +4239,7 @@
           <a:p>
             <a:fld id="{7B272C57-2FA0-4A9D-99A4-6F756B65018B}" type="datetimeFigureOut">
               <a:rPr lang="en-US" smtClean="0"/>
-              <a:t>4/23/2020</a:t>
+              <a:t>1/11/2021</a:t>
             </a:fld>
             <a:endParaRPr lang="en-US"/>
           </a:p>
@@ -3046,7 +4565,7 @@
 </p:sldLayout>
 </file>
 
-<file path=ppt/slideLayouts/slideLayout7.xml><?xml version="1.0" encoding="utf-8"?>
+<file path=ppt/slideLayouts/slideLayout9.xml><?xml version="1.0" encoding="utf-8"?>
 <p:sldLayout xmlns:a="http://schemas.openxmlformats.org/drawingml/2006/main" xmlns:r="http://schemas.openxmlformats.org/officeDocument/2006/relationships" xmlns:p="http://schemas.openxmlformats.org/presentationml/2006/main" preserve="1" userDrawn="1">
   <p:cSld name="Two Content and Caption Left">
     <p:bg>
@@ -3094,7 +4613,7 @@
           <a:p>
             <a:fld id="{7B272C57-2FA0-4A9D-99A4-6F756B65018B}" type="datetimeFigureOut">
               <a:rPr lang="en-US" smtClean="0"/>
-              <a:t>4/23/2020</a:t>
+              <a:t>1/11/2021</a:t>
             </a:fld>
             <a:endParaRPr lang="en-US"/>
           </a:p>
@@ -3411,883 +4930,6 @@
     <p:extLst>
       <p:ext uri="{BB962C8B-B14F-4D97-AF65-F5344CB8AC3E}">
         <p14:creationId xmlns:p14="http://schemas.microsoft.com/office/powerpoint/2010/main" val="3059227006"/>
-      </p:ext>
-    </p:extLst>
-  </p:cSld>
-  <p:clrMapOvr>
-    <a:masterClrMapping/>
-  </p:clrMapOvr>
-</p:sldLayout>
-</file>
-
-<file path=ppt/slideLayouts/slideLayout8.xml><?xml version="1.0" encoding="utf-8"?>
-<p:sldLayout xmlns:a="http://schemas.openxmlformats.org/drawingml/2006/main" xmlns:r="http://schemas.openxmlformats.org/officeDocument/2006/relationships" xmlns:p="http://schemas.openxmlformats.org/presentationml/2006/main" preserve="1" userDrawn="1">
-  <p:cSld name="Two Content and Caption">
-    <p:bg>
-      <p:bgPr>
-        <a:solidFill>
-          <a:schemeClr val="bg1"/>
-        </a:solidFill>
-        <a:effectLst/>
-      </p:bgPr>
-    </p:bg>
-    <p:spTree>
-      <p:nvGrpSpPr>
-        <p:cNvPr id="1" name=""/>
-        <p:cNvGrpSpPr/>
-        <p:nvPr/>
-      </p:nvGrpSpPr>
-      <p:grpSpPr>
-        <a:xfrm>
-          <a:off x="0" y="0"/>
-          <a:ext cx="0" cy="0"/>
-          <a:chOff x="0" y="0"/>
-          <a:chExt cx="0" cy="0"/>
-        </a:xfrm>
-      </p:grpSpPr>
-      <p:sp>
-        <p:nvSpPr>
-          <p:cNvPr id="5" name="Date Placeholder 4">
-            <a:extLst>
-              <a:ext uri="{FF2B5EF4-FFF2-40B4-BE49-F238E27FC236}">
-                <a16:creationId xmlns:a16="http://schemas.microsoft.com/office/drawing/2014/main" id="{985F3433-3055-4279-A232-CDB35C481677}"/>
-              </a:ext>
-            </a:extLst>
-          </p:cNvPr>
-          <p:cNvSpPr>
-            <a:spLocks noGrp="1"/>
-          </p:cNvSpPr>
-          <p:nvPr>
-            <p:ph type="dt" sz="half" idx="10"/>
-          </p:nvPr>
-        </p:nvSpPr>
-        <p:spPr/>
-        <p:txBody>
-          <a:bodyPr/>
-          <a:lstStyle/>
-          <a:p>
-            <a:fld id="{7B272C57-2FA0-4A9D-99A4-6F756B65018B}" type="datetimeFigureOut">
-              <a:rPr lang="en-US" smtClean="0"/>
-              <a:t>4/23/2020</a:t>
-            </a:fld>
-            <a:endParaRPr lang="en-US"/>
-          </a:p>
-        </p:txBody>
-      </p:sp>
-      <p:sp>
-        <p:nvSpPr>
-          <p:cNvPr id="6" name="Footer Placeholder 5">
-            <a:extLst>
-              <a:ext uri="{FF2B5EF4-FFF2-40B4-BE49-F238E27FC236}">
-                <a16:creationId xmlns:a16="http://schemas.microsoft.com/office/drawing/2014/main" id="{C4190A63-5D67-4FD5-97FD-79F7445B6A2E}"/>
-              </a:ext>
-            </a:extLst>
-          </p:cNvPr>
-          <p:cNvSpPr>
-            <a:spLocks noGrp="1"/>
-          </p:cNvSpPr>
-          <p:nvPr>
-            <p:ph type="ftr" sz="quarter" idx="11"/>
-          </p:nvPr>
-        </p:nvSpPr>
-        <p:spPr/>
-        <p:txBody>
-          <a:bodyPr/>
-          <a:lstStyle/>
-          <a:p>
-            <a:endParaRPr lang="en-US"/>
-          </a:p>
-        </p:txBody>
-      </p:sp>
-      <p:sp>
-        <p:nvSpPr>
-          <p:cNvPr id="7" name="Slide Number Placeholder 6">
-            <a:extLst>
-              <a:ext uri="{FF2B5EF4-FFF2-40B4-BE49-F238E27FC236}">
-                <a16:creationId xmlns:a16="http://schemas.microsoft.com/office/drawing/2014/main" id="{D2687DAE-A442-4DC3-8550-20F58B781EC7}"/>
-              </a:ext>
-            </a:extLst>
-          </p:cNvPr>
-          <p:cNvSpPr>
-            <a:spLocks noGrp="1"/>
-          </p:cNvSpPr>
-          <p:nvPr>
-            <p:ph type="sldNum" sz="quarter" idx="12"/>
-          </p:nvPr>
-        </p:nvSpPr>
-        <p:spPr/>
-        <p:txBody>
-          <a:bodyPr/>
-          <a:lstStyle/>
-          <a:p>
-            <a:fld id="{C064A79B-B315-413E-88BB-EFE0B5D603D0}" type="slidenum">
-              <a:rPr lang="en-US" smtClean="0"/>
-              <a:t>‹#›</a:t>
-            </a:fld>
-            <a:endParaRPr lang="en-US"/>
-          </a:p>
-        </p:txBody>
-      </p:sp>
-      <p:sp>
-        <p:nvSpPr>
-          <p:cNvPr id="9" name="Title 1">
-            <a:extLst>
-              <a:ext uri="{FF2B5EF4-FFF2-40B4-BE49-F238E27FC236}">
-                <a16:creationId xmlns:a16="http://schemas.microsoft.com/office/drawing/2014/main" id="{177E17F1-D3B2-42A6-9982-8788655386CF}"/>
-              </a:ext>
-            </a:extLst>
-          </p:cNvPr>
-          <p:cNvSpPr>
-            <a:spLocks noGrp="1"/>
-          </p:cNvSpPr>
-          <p:nvPr>
-            <p:ph type="title"/>
-          </p:nvPr>
-        </p:nvSpPr>
-        <p:spPr>
-          <a:xfrm>
-            <a:off x="0" y="0"/>
-            <a:ext cx="12192000" cy="1013635"/>
-          </a:xfrm>
-          <a:solidFill>
-            <a:srgbClr val="2E3640"/>
-          </a:solidFill>
-        </p:spPr>
-        <p:txBody>
-          <a:bodyPr/>
-          <a:lstStyle>
-            <a:lvl1pPr>
-              <a:defRPr lang="en-US" dirty="0"/>
-            </a:lvl1pPr>
-          </a:lstStyle>
-          <a:p>
-            <a:r>
-              <a:rPr lang="en-US" dirty="0"/>
-              <a:t>Click to edit Master title style</a:t>
-            </a:r>
-          </a:p>
-        </p:txBody>
-      </p:sp>
-      <p:sp>
-        <p:nvSpPr>
-          <p:cNvPr id="10" name="Content Placeholder 2">
-            <a:extLst>
-              <a:ext uri="{FF2B5EF4-FFF2-40B4-BE49-F238E27FC236}">
-                <a16:creationId xmlns:a16="http://schemas.microsoft.com/office/drawing/2014/main" id="{F1A58CC4-526C-4991-898F-C0879D5343E8}"/>
-              </a:ext>
-            </a:extLst>
-          </p:cNvPr>
-          <p:cNvSpPr>
-            <a:spLocks noGrp="1"/>
-          </p:cNvSpPr>
-          <p:nvPr>
-            <p:ph sz="half" idx="1"/>
-          </p:nvPr>
-        </p:nvSpPr>
-        <p:spPr>
-          <a:xfrm>
-            <a:off x="250521" y="1205547"/>
-            <a:ext cx="5769279" cy="4446906"/>
-          </a:xfrm>
-        </p:spPr>
-        <p:txBody>
-          <a:bodyPr/>
-          <a:lstStyle/>
-          <a:p>
-            <a:pPr lvl="0"/>
-            <a:r>
-              <a:rPr lang="en-US" dirty="0"/>
-              <a:t>Click to edit Master text styles</a:t>
-            </a:r>
-          </a:p>
-          <a:p>
-            <a:pPr lvl="1"/>
-            <a:r>
-              <a:rPr lang="en-US" dirty="0"/>
-              <a:t>Second level</a:t>
-            </a:r>
-          </a:p>
-          <a:p>
-            <a:pPr lvl="2"/>
-            <a:r>
-              <a:rPr lang="en-US" dirty="0"/>
-              <a:t>Third level</a:t>
-            </a:r>
-          </a:p>
-          <a:p>
-            <a:pPr lvl="3"/>
-            <a:r>
-              <a:rPr lang="en-US" dirty="0"/>
-              <a:t>Fourth level</a:t>
-            </a:r>
-          </a:p>
-          <a:p>
-            <a:pPr lvl="4"/>
-            <a:r>
-              <a:rPr lang="en-US" dirty="0"/>
-              <a:t>Fifth level</a:t>
-            </a:r>
-          </a:p>
-        </p:txBody>
-      </p:sp>
-      <p:sp>
-        <p:nvSpPr>
-          <p:cNvPr id="11" name="Content Placeholder 3">
-            <a:extLst>
-              <a:ext uri="{FF2B5EF4-FFF2-40B4-BE49-F238E27FC236}">
-                <a16:creationId xmlns:a16="http://schemas.microsoft.com/office/drawing/2014/main" id="{CB008E43-F727-4C47-9855-9440A412ACCB}"/>
-              </a:ext>
-            </a:extLst>
-          </p:cNvPr>
-          <p:cNvSpPr>
-            <a:spLocks noGrp="1"/>
-          </p:cNvSpPr>
-          <p:nvPr>
-            <p:ph sz="half" idx="2"/>
-          </p:nvPr>
-        </p:nvSpPr>
-        <p:spPr>
-          <a:xfrm>
-            <a:off x="6172199" y="1205548"/>
-            <a:ext cx="5727527" cy="4446905"/>
-          </a:xfrm>
-        </p:spPr>
-        <p:txBody>
-          <a:bodyPr/>
-          <a:lstStyle/>
-          <a:p>
-            <a:pPr lvl="0"/>
-            <a:r>
-              <a:rPr lang="en-US"/>
-              <a:t>Click to edit Master text styles</a:t>
-            </a:r>
-          </a:p>
-          <a:p>
-            <a:pPr lvl="1"/>
-            <a:r>
-              <a:rPr lang="en-US"/>
-              <a:t>Second level</a:t>
-            </a:r>
-          </a:p>
-          <a:p>
-            <a:pPr lvl="2"/>
-            <a:r>
-              <a:rPr lang="en-US"/>
-              <a:t>Third level</a:t>
-            </a:r>
-          </a:p>
-          <a:p>
-            <a:pPr lvl="3"/>
-            <a:r>
-              <a:rPr lang="en-US"/>
-              <a:t>Fourth level</a:t>
-            </a:r>
-          </a:p>
-          <a:p>
-            <a:pPr lvl="4"/>
-            <a:r>
-              <a:rPr lang="en-US"/>
-              <a:t>Fifth level</a:t>
-            </a:r>
-          </a:p>
-        </p:txBody>
-      </p:sp>
-      <p:sp>
-        <p:nvSpPr>
-          <p:cNvPr id="3" name="Text Placeholder 2">
-            <a:extLst>
-              <a:ext uri="{FF2B5EF4-FFF2-40B4-BE49-F238E27FC236}">
-                <a16:creationId xmlns:a16="http://schemas.microsoft.com/office/drawing/2014/main" id="{B6810FF5-0B9C-4441-B73D-B10146FB8996}"/>
-              </a:ext>
-            </a:extLst>
-          </p:cNvPr>
-          <p:cNvSpPr>
-            <a:spLocks noGrp="1"/>
-          </p:cNvSpPr>
-          <p:nvPr>
-            <p:ph type="body" sz="quarter" idx="13"/>
-          </p:nvPr>
-        </p:nvSpPr>
-        <p:spPr>
-          <a:xfrm>
-            <a:off x="250825" y="5781584"/>
-            <a:ext cx="5768975" cy="445634"/>
-          </a:xfrm>
-        </p:spPr>
-        <p:txBody>
-          <a:bodyPr/>
-          <a:lstStyle>
-            <a:lvl1pPr marL="0" indent="0">
-              <a:buFont typeface="Arial" panose="020B0604020202020204" pitchFamily="34" charset="0"/>
-              <a:buNone/>
-              <a:defRPr sz="1200"/>
-            </a:lvl1pPr>
-            <a:lvl2pPr marL="457200" indent="0">
-              <a:buFont typeface="Arial" panose="020B0604020202020204" pitchFamily="34" charset="0"/>
-              <a:buNone/>
-              <a:defRPr sz="1100"/>
-            </a:lvl2pPr>
-            <a:lvl3pPr marL="914400" indent="0">
-              <a:buFont typeface="Arial" panose="020B0604020202020204" pitchFamily="34" charset="0"/>
-              <a:buNone/>
-              <a:defRPr sz="1050"/>
-            </a:lvl3pPr>
-            <a:lvl4pPr marL="1371600" indent="0">
-              <a:buFont typeface="Arial" panose="020B0604020202020204" pitchFamily="34" charset="0"/>
-              <a:buNone/>
-              <a:defRPr sz="1000"/>
-            </a:lvl4pPr>
-            <a:lvl5pPr marL="1828800" indent="0">
-              <a:buFont typeface="Arial" panose="020B0604020202020204" pitchFamily="34" charset="0"/>
-              <a:buNone/>
-              <a:defRPr sz="1000"/>
-            </a:lvl5pPr>
-          </a:lstStyle>
-          <a:p>
-            <a:pPr lvl="0"/>
-            <a:r>
-              <a:rPr lang="en-US" dirty="0"/>
-              <a:t>Click to edit Master text styles</a:t>
-            </a:r>
-          </a:p>
-          <a:p>
-            <a:pPr lvl="1"/>
-            <a:r>
-              <a:rPr lang="en-US" dirty="0"/>
-              <a:t>Second level</a:t>
-            </a:r>
-          </a:p>
-          <a:p>
-            <a:pPr lvl="2"/>
-            <a:r>
-              <a:rPr lang="en-US" dirty="0"/>
-              <a:t>Third level</a:t>
-            </a:r>
-          </a:p>
-          <a:p>
-            <a:pPr lvl="3"/>
-            <a:r>
-              <a:rPr lang="en-US" dirty="0"/>
-              <a:t>Fourth level</a:t>
-            </a:r>
-          </a:p>
-          <a:p>
-            <a:pPr lvl="4"/>
-            <a:r>
-              <a:rPr lang="en-US" dirty="0"/>
-              <a:t>Fifth level</a:t>
-            </a:r>
-            <a:endParaRPr lang="en-CH" dirty="0"/>
-          </a:p>
-        </p:txBody>
-      </p:sp>
-      <p:sp>
-        <p:nvSpPr>
-          <p:cNvPr id="4" name="Text Placeholder 3">
-            <a:extLst>
-              <a:ext uri="{FF2B5EF4-FFF2-40B4-BE49-F238E27FC236}">
-                <a16:creationId xmlns:a16="http://schemas.microsoft.com/office/drawing/2014/main" id="{EF8CA0C6-2B85-43B4-92F5-635817B1E191}"/>
-              </a:ext>
-            </a:extLst>
-          </p:cNvPr>
-          <p:cNvSpPr>
-            <a:spLocks noGrp="1"/>
-          </p:cNvSpPr>
-          <p:nvPr>
-            <p:ph type="body" sz="quarter" idx="14"/>
-          </p:nvPr>
-        </p:nvSpPr>
-        <p:spPr>
-          <a:xfrm>
-            <a:off x="6172200" y="5781675"/>
-            <a:ext cx="5727700" cy="446088"/>
-          </a:xfrm>
-        </p:spPr>
-        <p:txBody>
-          <a:bodyPr>
-            <a:noAutofit/>
-          </a:bodyPr>
-          <a:lstStyle>
-            <a:lvl1pPr marL="0" indent="0">
-              <a:buFontTx/>
-              <a:buNone/>
-              <a:defRPr sz="1200"/>
-            </a:lvl1pPr>
-            <a:lvl2pPr marL="457200" indent="0">
-              <a:buFontTx/>
-              <a:buNone/>
-              <a:defRPr sz="1100"/>
-            </a:lvl2pPr>
-            <a:lvl3pPr marL="914400" indent="0">
-              <a:buFontTx/>
-              <a:buNone/>
-              <a:defRPr sz="1050"/>
-            </a:lvl3pPr>
-            <a:lvl4pPr marL="1371600" indent="0">
-              <a:buFontTx/>
-              <a:buNone/>
-              <a:defRPr sz="1000"/>
-            </a:lvl4pPr>
-            <a:lvl5pPr marL="1828800" indent="0">
-              <a:buFontTx/>
-              <a:buNone/>
-              <a:defRPr sz="1000"/>
-            </a:lvl5pPr>
-          </a:lstStyle>
-          <a:p>
-            <a:pPr lvl="0"/>
-            <a:r>
-              <a:rPr lang="en-US" dirty="0"/>
-              <a:t>Click to edit Master text styles</a:t>
-            </a:r>
-          </a:p>
-          <a:p>
-            <a:pPr lvl="1"/>
-            <a:r>
-              <a:rPr lang="en-US" dirty="0"/>
-              <a:t>Second level</a:t>
-            </a:r>
-          </a:p>
-          <a:p>
-            <a:pPr lvl="2"/>
-            <a:r>
-              <a:rPr lang="en-US" dirty="0"/>
-              <a:t>Third level</a:t>
-            </a:r>
-          </a:p>
-          <a:p>
-            <a:pPr lvl="3"/>
-            <a:r>
-              <a:rPr lang="en-US" dirty="0"/>
-              <a:t>Fourth level</a:t>
-            </a:r>
-          </a:p>
-          <a:p>
-            <a:pPr lvl="4"/>
-            <a:r>
-              <a:rPr lang="en-US" dirty="0"/>
-              <a:t>Fifth level</a:t>
-            </a:r>
-            <a:endParaRPr lang="en-CH" dirty="0"/>
-          </a:p>
-        </p:txBody>
-      </p:sp>
-    </p:spTree>
-    <p:extLst>
-      <p:ext uri="{BB962C8B-B14F-4D97-AF65-F5344CB8AC3E}">
-        <p14:creationId xmlns:p14="http://schemas.microsoft.com/office/powerpoint/2010/main" val="1216857061"/>
-      </p:ext>
-    </p:extLst>
-  </p:cSld>
-  <p:clrMapOvr>
-    <a:masterClrMapping/>
-  </p:clrMapOvr>
-</p:sldLayout>
-</file>
-
-<file path=ppt/slideLayouts/slideLayout9.xml><?xml version="1.0" encoding="utf-8"?>
-<p:sldLayout xmlns:a="http://schemas.openxmlformats.org/drawingml/2006/main" xmlns:r="http://schemas.openxmlformats.org/officeDocument/2006/relationships" xmlns:p="http://schemas.openxmlformats.org/presentationml/2006/main" type="twoTxTwoObj" preserve="1">
-  <p:cSld name="Comparison">
-    <p:spTree>
-      <p:nvGrpSpPr>
-        <p:cNvPr id="1" name=""/>
-        <p:cNvGrpSpPr/>
-        <p:nvPr/>
-      </p:nvGrpSpPr>
-      <p:grpSpPr>
-        <a:xfrm>
-          <a:off x="0" y="0"/>
-          <a:ext cx="0" cy="0"/>
-          <a:chOff x="0" y="0"/>
-          <a:chExt cx="0" cy="0"/>
-        </a:xfrm>
-      </p:grpSpPr>
-      <p:sp>
-        <p:nvSpPr>
-          <p:cNvPr id="2" name="Title 1">
-            <a:extLst>
-              <a:ext uri="{FF2B5EF4-FFF2-40B4-BE49-F238E27FC236}">
-                <a16:creationId xmlns:a16="http://schemas.microsoft.com/office/drawing/2014/main" id="{DDCEEDBF-B9EE-46CF-A2B0-8EE3479EFD83}"/>
-              </a:ext>
-            </a:extLst>
-          </p:cNvPr>
-          <p:cNvSpPr>
-            <a:spLocks noGrp="1"/>
-          </p:cNvSpPr>
-          <p:nvPr>
-            <p:ph type="title"/>
-          </p:nvPr>
-        </p:nvSpPr>
-        <p:spPr>
-          <a:xfrm>
-            <a:off x="839788" y="365125"/>
-            <a:ext cx="10515600" cy="1325563"/>
-          </a:xfrm>
-        </p:spPr>
-        <p:txBody>
-          <a:bodyPr/>
-          <a:lstStyle/>
-          <a:p>
-            <a:r>
-              <a:rPr lang="en-US"/>
-              <a:t>Click to edit Master title style</a:t>
-            </a:r>
-          </a:p>
-        </p:txBody>
-      </p:sp>
-      <p:sp>
-        <p:nvSpPr>
-          <p:cNvPr id="3" name="Text Placeholder 2">
-            <a:extLst>
-              <a:ext uri="{FF2B5EF4-FFF2-40B4-BE49-F238E27FC236}">
-                <a16:creationId xmlns:a16="http://schemas.microsoft.com/office/drawing/2014/main" id="{544AF6FB-AD6C-4882-81B0-96CE078AAFDE}"/>
-              </a:ext>
-            </a:extLst>
-          </p:cNvPr>
-          <p:cNvSpPr>
-            <a:spLocks noGrp="1"/>
-          </p:cNvSpPr>
-          <p:nvPr>
-            <p:ph type="body" idx="1"/>
-          </p:nvPr>
-        </p:nvSpPr>
-        <p:spPr>
-          <a:xfrm>
-            <a:off x="839788" y="1681163"/>
-            <a:ext cx="5157787" cy="823912"/>
-          </a:xfrm>
-        </p:spPr>
-        <p:txBody>
-          <a:bodyPr anchor="b"/>
-          <a:lstStyle>
-            <a:lvl1pPr marL="0" indent="0">
-              <a:buNone/>
-              <a:defRPr sz="2400" b="1"/>
-            </a:lvl1pPr>
-            <a:lvl2pPr marL="457200" indent="0">
-              <a:buNone/>
-              <a:defRPr sz="2000" b="1"/>
-            </a:lvl2pPr>
-            <a:lvl3pPr marL="914400" indent="0">
-              <a:buNone/>
-              <a:defRPr sz="1800" b="1"/>
-            </a:lvl3pPr>
-            <a:lvl4pPr marL="1371600" indent="0">
-              <a:buNone/>
-              <a:defRPr sz="1600" b="1"/>
-            </a:lvl4pPr>
-            <a:lvl5pPr marL="1828800" indent="0">
-              <a:buNone/>
-              <a:defRPr sz="1600" b="1"/>
-            </a:lvl5pPr>
-            <a:lvl6pPr marL="2286000" indent="0">
-              <a:buNone/>
-              <a:defRPr sz="1600" b="1"/>
-            </a:lvl6pPr>
-            <a:lvl7pPr marL="2743200" indent="0">
-              <a:buNone/>
-              <a:defRPr sz="1600" b="1"/>
-            </a:lvl7pPr>
-            <a:lvl8pPr marL="3200400" indent="0">
-              <a:buNone/>
-              <a:defRPr sz="1600" b="1"/>
-            </a:lvl8pPr>
-            <a:lvl9pPr marL="3657600" indent="0">
-              <a:buNone/>
-              <a:defRPr sz="1600" b="1"/>
-            </a:lvl9pPr>
-          </a:lstStyle>
-          <a:p>
-            <a:pPr lvl="0"/>
-            <a:r>
-              <a:rPr lang="en-US"/>
-              <a:t>Click to edit Master text styles</a:t>
-            </a:r>
-          </a:p>
-        </p:txBody>
-      </p:sp>
-      <p:sp>
-        <p:nvSpPr>
-          <p:cNvPr id="4" name="Content Placeholder 3">
-            <a:extLst>
-              <a:ext uri="{FF2B5EF4-FFF2-40B4-BE49-F238E27FC236}">
-                <a16:creationId xmlns:a16="http://schemas.microsoft.com/office/drawing/2014/main" id="{1533832D-5B97-457A-BE16-A272372A4631}"/>
-              </a:ext>
-            </a:extLst>
-          </p:cNvPr>
-          <p:cNvSpPr>
-            <a:spLocks noGrp="1"/>
-          </p:cNvSpPr>
-          <p:nvPr>
-            <p:ph sz="half" idx="2"/>
-          </p:nvPr>
-        </p:nvSpPr>
-        <p:spPr>
-          <a:xfrm>
-            <a:off x="839788" y="2505075"/>
-            <a:ext cx="5157787" cy="3684588"/>
-          </a:xfrm>
-        </p:spPr>
-        <p:txBody>
-          <a:bodyPr/>
-          <a:lstStyle/>
-          <a:p>
-            <a:pPr lvl="0"/>
-            <a:r>
-              <a:rPr lang="en-US"/>
-              <a:t>Click to edit Master text styles</a:t>
-            </a:r>
-          </a:p>
-          <a:p>
-            <a:pPr lvl="1"/>
-            <a:r>
-              <a:rPr lang="en-US"/>
-              <a:t>Second level</a:t>
-            </a:r>
-          </a:p>
-          <a:p>
-            <a:pPr lvl="2"/>
-            <a:r>
-              <a:rPr lang="en-US"/>
-              <a:t>Third level</a:t>
-            </a:r>
-          </a:p>
-          <a:p>
-            <a:pPr lvl="3"/>
-            <a:r>
-              <a:rPr lang="en-US"/>
-              <a:t>Fourth level</a:t>
-            </a:r>
-          </a:p>
-          <a:p>
-            <a:pPr lvl="4"/>
-            <a:r>
-              <a:rPr lang="en-US"/>
-              <a:t>Fifth level</a:t>
-            </a:r>
-          </a:p>
-        </p:txBody>
-      </p:sp>
-      <p:sp>
-        <p:nvSpPr>
-          <p:cNvPr id="5" name="Text Placeholder 4">
-            <a:extLst>
-              <a:ext uri="{FF2B5EF4-FFF2-40B4-BE49-F238E27FC236}">
-                <a16:creationId xmlns:a16="http://schemas.microsoft.com/office/drawing/2014/main" id="{EB0BE55C-A71C-4022-9131-15FEDC116784}"/>
-              </a:ext>
-            </a:extLst>
-          </p:cNvPr>
-          <p:cNvSpPr>
-            <a:spLocks noGrp="1"/>
-          </p:cNvSpPr>
-          <p:nvPr>
-            <p:ph type="body" sz="quarter" idx="3"/>
-          </p:nvPr>
-        </p:nvSpPr>
-        <p:spPr>
-          <a:xfrm>
-            <a:off x="6172200" y="1681163"/>
-            <a:ext cx="5183188" cy="823912"/>
-          </a:xfrm>
-        </p:spPr>
-        <p:txBody>
-          <a:bodyPr anchor="b"/>
-          <a:lstStyle>
-            <a:lvl1pPr marL="0" indent="0">
-              <a:buNone/>
-              <a:defRPr sz="2400" b="1"/>
-            </a:lvl1pPr>
-            <a:lvl2pPr marL="457200" indent="0">
-              <a:buNone/>
-              <a:defRPr sz="2000" b="1"/>
-            </a:lvl2pPr>
-            <a:lvl3pPr marL="914400" indent="0">
-              <a:buNone/>
-              <a:defRPr sz="1800" b="1"/>
-            </a:lvl3pPr>
-            <a:lvl4pPr marL="1371600" indent="0">
-              <a:buNone/>
-              <a:defRPr sz="1600" b="1"/>
-            </a:lvl4pPr>
-            <a:lvl5pPr marL="1828800" indent="0">
-              <a:buNone/>
-              <a:defRPr sz="1600" b="1"/>
-            </a:lvl5pPr>
-            <a:lvl6pPr marL="2286000" indent="0">
-              <a:buNone/>
-              <a:defRPr sz="1600" b="1"/>
-            </a:lvl6pPr>
-            <a:lvl7pPr marL="2743200" indent="0">
-              <a:buNone/>
-              <a:defRPr sz="1600" b="1"/>
-            </a:lvl7pPr>
-            <a:lvl8pPr marL="3200400" indent="0">
-              <a:buNone/>
-              <a:defRPr sz="1600" b="1"/>
-            </a:lvl8pPr>
-            <a:lvl9pPr marL="3657600" indent="0">
-              <a:buNone/>
-              <a:defRPr sz="1600" b="1"/>
-            </a:lvl9pPr>
-          </a:lstStyle>
-          <a:p>
-            <a:pPr lvl="0"/>
-            <a:r>
-              <a:rPr lang="en-US"/>
-              <a:t>Click to edit Master text styles</a:t>
-            </a:r>
-          </a:p>
-        </p:txBody>
-      </p:sp>
-      <p:sp>
-        <p:nvSpPr>
-          <p:cNvPr id="6" name="Content Placeholder 5">
-            <a:extLst>
-              <a:ext uri="{FF2B5EF4-FFF2-40B4-BE49-F238E27FC236}">
-                <a16:creationId xmlns:a16="http://schemas.microsoft.com/office/drawing/2014/main" id="{B42F743A-257A-4CB8-B95B-5C988CC62C5F}"/>
-              </a:ext>
-            </a:extLst>
-          </p:cNvPr>
-          <p:cNvSpPr>
-            <a:spLocks noGrp="1"/>
-          </p:cNvSpPr>
-          <p:nvPr>
-            <p:ph sz="quarter" idx="4"/>
-          </p:nvPr>
-        </p:nvSpPr>
-        <p:spPr>
-          <a:xfrm>
-            <a:off x="6172200" y="2505075"/>
-            <a:ext cx="5183188" cy="3684588"/>
-          </a:xfrm>
-        </p:spPr>
-        <p:txBody>
-          <a:bodyPr/>
-          <a:lstStyle/>
-          <a:p>
-            <a:pPr lvl="0"/>
-            <a:r>
-              <a:rPr lang="en-US"/>
-              <a:t>Click to edit Master text styles</a:t>
-            </a:r>
-          </a:p>
-          <a:p>
-            <a:pPr lvl="1"/>
-            <a:r>
-              <a:rPr lang="en-US"/>
-              <a:t>Second level</a:t>
-            </a:r>
-          </a:p>
-          <a:p>
-            <a:pPr lvl="2"/>
-            <a:r>
-              <a:rPr lang="en-US"/>
-              <a:t>Third level</a:t>
-            </a:r>
-          </a:p>
-          <a:p>
-            <a:pPr lvl="3"/>
-            <a:r>
-              <a:rPr lang="en-US"/>
-              <a:t>Fourth level</a:t>
-            </a:r>
-          </a:p>
-          <a:p>
-            <a:pPr lvl="4"/>
-            <a:r>
-              <a:rPr lang="en-US"/>
-              <a:t>Fifth level</a:t>
-            </a:r>
-          </a:p>
-        </p:txBody>
-      </p:sp>
-      <p:sp>
-        <p:nvSpPr>
-          <p:cNvPr id="7" name="Date Placeholder 6">
-            <a:extLst>
-              <a:ext uri="{FF2B5EF4-FFF2-40B4-BE49-F238E27FC236}">
-                <a16:creationId xmlns:a16="http://schemas.microsoft.com/office/drawing/2014/main" id="{D25E529E-3A21-43D7-BDFA-A5A848AC67B7}"/>
-              </a:ext>
-            </a:extLst>
-          </p:cNvPr>
-          <p:cNvSpPr>
-            <a:spLocks noGrp="1"/>
-          </p:cNvSpPr>
-          <p:nvPr>
-            <p:ph type="dt" sz="half" idx="10"/>
-          </p:nvPr>
-        </p:nvSpPr>
-        <p:spPr/>
-        <p:txBody>
-          <a:bodyPr/>
-          <a:lstStyle/>
-          <a:p>
-            <a:fld id="{7B272C57-2FA0-4A9D-99A4-6F756B65018B}" type="datetimeFigureOut">
-              <a:rPr lang="en-US" smtClean="0"/>
-              <a:t>4/23/2020</a:t>
-            </a:fld>
-            <a:endParaRPr lang="en-US"/>
-          </a:p>
-        </p:txBody>
-      </p:sp>
-      <p:sp>
-        <p:nvSpPr>
-          <p:cNvPr id="8" name="Footer Placeholder 7">
-            <a:extLst>
-              <a:ext uri="{FF2B5EF4-FFF2-40B4-BE49-F238E27FC236}">
-                <a16:creationId xmlns:a16="http://schemas.microsoft.com/office/drawing/2014/main" id="{E8A1AC98-0217-4FDD-B158-1F74B7A158CE}"/>
-              </a:ext>
-            </a:extLst>
-          </p:cNvPr>
-          <p:cNvSpPr>
-            <a:spLocks noGrp="1"/>
-          </p:cNvSpPr>
-          <p:nvPr>
-            <p:ph type="ftr" sz="quarter" idx="11"/>
-          </p:nvPr>
-        </p:nvSpPr>
-        <p:spPr/>
-        <p:txBody>
-          <a:bodyPr/>
-          <a:lstStyle/>
-          <a:p>
-            <a:endParaRPr lang="en-US"/>
-          </a:p>
-        </p:txBody>
-      </p:sp>
-      <p:sp>
-        <p:nvSpPr>
-          <p:cNvPr id="9" name="Slide Number Placeholder 8">
-            <a:extLst>
-              <a:ext uri="{FF2B5EF4-FFF2-40B4-BE49-F238E27FC236}">
-                <a16:creationId xmlns:a16="http://schemas.microsoft.com/office/drawing/2014/main" id="{38112B28-E129-463E-A880-BAB46D30BA21}"/>
-              </a:ext>
-            </a:extLst>
-          </p:cNvPr>
-          <p:cNvSpPr>
-            <a:spLocks noGrp="1"/>
-          </p:cNvSpPr>
-          <p:nvPr>
-            <p:ph type="sldNum" sz="quarter" idx="12"/>
-          </p:nvPr>
-        </p:nvSpPr>
-        <p:spPr/>
-        <p:txBody>
-          <a:bodyPr/>
-          <a:lstStyle/>
-          <a:p>
-            <a:fld id="{C064A79B-B315-413E-88BB-EFE0B5D603D0}" type="slidenum">
-              <a:rPr lang="en-US" smtClean="0"/>
-              <a:t>‹#›</a:t>
-            </a:fld>
-            <a:endParaRPr lang="en-US"/>
-          </a:p>
-        </p:txBody>
-      </p:sp>
-    </p:spTree>
-    <p:extLst>
-      <p:ext uri="{BB962C8B-B14F-4D97-AF65-F5344CB8AC3E}">
-        <p14:creationId xmlns:p14="http://schemas.microsoft.com/office/powerpoint/2010/main" val="3298881254"/>
       </p:ext>
     </p:extLst>
   </p:cSld>
@@ -4471,7 +5113,7 @@
           <a:p>
             <a:fld id="{7B272C57-2FA0-4A9D-99A4-6F756B65018B}" type="datetimeFigureOut">
               <a:rPr lang="en-US" smtClean="0"/>
-              <a:t>4/23/2020</a:t>
+              <a:t>1/11/2021</a:t>
             </a:fld>
             <a:endParaRPr lang="en-US"/>
           </a:p>
@@ -4582,7 +5224,7 @@
           <p:nvPr userDrawn="1"/>
         </p:nvPicPr>
         <p:blipFill>
-          <a:blip r:embed="rId17"/>
+          <a:blip r:embed="rId19"/>
           <a:stretch>
             <a:fillRect/>
           </a:stretch>
@@ -4608,19 +5250,21 @@
   <p:sldLayoutIdLst>
     <p:sldLayoutId id="2147483649" r:id="rId1"/>
     <p:sldLayoutId id="2147483650" r:id="rId2"/>
-    <p:sldLayoutId id="2147483660" r:id="rId3"/>
-    <p:sldLayoutId id="2147483651" r:id="rId4"/>
-    <p:sldLayoutId id="2147483652" r:id="rId5"/>
-    <p:sldLayoutId id="2147483661" r:id="rId6"/>
-    <p:sldLayoutId id="2147483662" r:id="rId7"/>
-    <p:sldLayoutId id="2147483663" r:id="rId8"/>
-    <p:sldLayoutId id="2147483653" r:id="rId9"/>
-    <p:sldLayoutId id="2147483654" r:id="rId10"/>
-    <p:sldLayoutId id="2147483655" r:id="rId11"/>
-    <p:sldLayoutId id="2147483656" r:id="rId12"/>
-    <p:sldLayoutId id="2147483657" r:id="rId13"/>
-    <p:sldLayoutId id="2147483658" r:id="rId14"/>
-    <p:sldLayoutId id="2147483659" r:id="rId15"/>
+    <p:sldLayoutId id="2147483664" r:id="rId3"/>
+    <p:sldLayoutId id="2147483660" r:id="rId4"/>
+    <p:sldLayoutId id="2147483665" r:id="rId5"/>
+    <p:sldLayoutId id="2147483651" r:id="rId6"/>
+    <p:sldLayoutId id="2147483652" r:id="rId7"/>
+    <p:sldLayoutId id="2147483661" r:id="rId8"/>
+    <p:sldLayoutId id="2147483662" r:id="rId9"/>
+    <p:sldLayoutId id="2147483663" r:id="rId10"/>
+    <p:sldLayoutId id="2147483653" r:id="rId11"/>
+    <p:sldLayoutId id="2147483654" r:id="rId12"/>
+    <p:sldLayoutId id="2147483655" r:id="rId13"/>
+    <p:sldLayoutId id="2147483656" r:id="rId14"/>
+    <p:sldLayoutId id="2147483657" r:id="rId15"/>
+    <p:sldLayoutId id="2147483658" r:id="rId16"/>
+    <p:sldLayoutId id="2147483659" r:id="rId17"/>
   </p:sldLayoutIdLst>
   <p:txStyles>
     <p:titleStyle>

--- a/inst/templates/TemplateDefault_169.pptx
+++ b/inst/templates/TemplateDefault_169.pptx
@@ -189,7 +189,7 @@
         <p:spPr>
           <a:xfrm>
             <a:off x="277660" y="2894388"/>
-            <a:ext cx="11636679" cy="644842"/>
+            <a:ext cx="11636679" cy="3201612"/>
           </a:xfrm>
         </p:spPr>
         <p:txBody>
@@ -267,7 +267,7 @@
           <a:p>
             <a:fld id="{7B272C57-2FA0-4A9D-99A4-6F756B65018B}" type="datetimeFigureOut">
               <a:rPr lang="en-US" smtClean="0"/>
-              <a:t>1/11/2021</a:t>
+              <a:t>1/7/2022</a:t>
             </a:fld>
             <a:endParaRPr lang="en-US"/>
           </a:p>
@@ -388,7 +388,7 @@
           <a:p>
             <a:fld id="{7B272C57-2FA0-4A9D-99A4-6F756B65018B}" type="datetimeFigureOut">
               <a:rPr lang="en-US" smtClean="0"/>
-              <a:t>1/11/2021</a:t>
+              <a:t>1/7/2022</a:t>
             </a:fld>
             <a:endParaRPr lang="en-US"/>
           </a:p>
@@ -1144,7 +1144,7 @@
           <a:p>
             <a:fld id="{7B272C57-2FA0-4A9D-99A4-6F756B65018B}" type="datetimeFigureOut">
               <a:rPr lang="en-US" smtClean="0"/>
-              <a:t>1/11/2021</a:t>
+              <a:t>1/7/2022</a:t>
             </a:fld>
             <a:endParaRPr lang="en-US"/>
           </a:p>
@@ -1301,7 +1301,7 @@
           <a:p>
             <a:fld id="{7B272C57-2FA0-4A9D-99A4-6F756B65018B}" type="datetimeFigureOut">
               <a:rPr lang="en-US" smtClean="0"/>
-              <a:t>1/11/2021</a:t>
+              <a:t>1/7/2022</a:t>
             </a:fld>
             <a:endParaRPr lang="en-US"/>
           </a:p>
@@ -1414,7 +1414,7 @@
           <a:p>
             <a:fld id="{7B272C57-2FA0-4A9D-99A4-6F756B65018B}" type="datetimeFigureOut">
               <a:rPr lang="en-US" smtClean="0"/>
-              <a:t>1/11/2021</a:t>
+              <a:t>1/7/2022</a:t>
             </a:fld>
             <a:endParaRPr lang="en-US"/>
           </a:p>
@@ -1725,7 +1725,7 @@
           <a:p>
             <a:fld id="{7B272C57-2FA0-4A9D-99A4-6F756B65018B}" type="datetimeFigureOut">
               <a:rPr lang="en-US" smtClean="0"/>
-              <a:t>1/11/2021</a:t>
+              <a:t>1/7/2022</a:t>
             </a:fld>
             <a:endParaRPr lang="en-US"/>
           </a:p>
@@ -2013,7 +2013,7 @@
           <a:p>
             <a:fld id="{7B272C57-2FA0-4A9D-99A4-6F756B65018B}" type="datetimeFigureOut">
               <a:rPr lang="en-US" smtClean="0"/>
-              <a:t>1/11/2021</a:t>
+              <a:t>1/7/2022</a:t>
             </a:fld>
             <a:endParaRPr lang="en-US"/>
           </a:p>
@@ -2211,7 +2211,7 @@
           <a:p>
             <a:fld id="{7B272C57-2FA0-4A9D-99A4-6F756B65018B}" type="datetimeFigureOut">
               <a:rPr lang="en-US" smtClean="0"/>
-              <a:t>1/11/2021</a:t>
+              <a:t>1/7/2022</a:t>
             </a:fld>
             <a:endParaRPr lang="en-US"/>
           </a:p>
@@ -2419,7 +2419,7 @@
           <a:p>
             <a:fld id="{7B272C57-2FA0-4A9D-99A4-6F756B65018B}" type="datetimeFigureOut">
               <a:rPr lang="en-US" smtClean="0"/>
-              <a:t>1/11/2021</a:t>
+              <a:t>1/7/2022</a:t>
             </a:fld>
             <a:endParaRPr lang="en-US"/>
           </a:p>
@@ -2622,7 +2622,7 @@
           <a:p>
             <a:fld id="{7B272C57-2FA0-4A9D-99A4-6F756B65018B}" type="datetimeFigureOut">
               <a:rPr lang="en-US" smtClean="0"/>
-              <a:t>1/11/2021</a:t>
+              <a:t>1/7/2022</a:t>
             </a:fld>
             <a:endParaRPr lang="en-US"/>
           </a:p>
@@ -2835,7 +2835,7 @@
           <a:p>
             <a:fld id="{7B272C57-2FA0-4A9D-99A4-6F756B65018B}" type="datetimeFigureOut">
               <a:rPr lang="en-US" smtClean="0"/>
-              <a:t>1/11/2021</a:t>
+              <a:t>1/7/2022</a:t>
             </a:fld>
             <a:endParaRPr lang="en-US" dirty="0"/>
           </a:p>
@@ -3108,7 +3108,7 @@
           <a:p>
             <a:fld id="{7B272C57-2FA0-4A9D-99A4-6F756B65018B}" type="datetimeFigureOut">
               <a:rPr lang="en-US" smtClean="0"/>
-              <a:t>1/11/2021</a:t>
+              <a:t>1/7/2022</a:t>
             </a:fld>
             <a:endParaRPr lang="en-US"/>
           </a:p>
@@ -3407,7 +3407,7 @@
           <a:p>
             <a:fld id="{7B272C57-2FA0-4A9D-99A4-6F756B65018B}" type="datetimeFigureOut">
               <a:rPr lang="en-US" smtClean="0"/>
-              <a:t>1/11/2021</a:t>
+              <a:t>1/7/2022</a:t>
             </a:fld>
             <a:endParaRPr lang="en-US"/>
           </a:p>
@@ -3833,7 +3833,7 @@
           <a:p>
             <a:fld id="{7B272C57-2FA0-4A9D-99A4-6F756B65018B}" type="datetimeFigureOut">
               <a:rPr lang="en-US" smtClean="0"/>
-              <a:t>1/11/2021</a:t>
+              <a:t>1/7/2022</a:t>
             </a:fld>
             <a:endParaRPr lang="en-US"/>
           </a:p>
@@ -3954,7 +3954,7 @@
           <a:p>
             <a:fld id="{7B272C57-2FA0-4A9D-99A4-6F756B65018B}" type="datetimeFigureOut">
               <a:rPr lang="en-US" smtClean="0"/>
-              <a:t>1/11/2021</a:t>
+              <a:t>1/7/2022</a:t>
             </a:fld>
             <a:endParaRPr lang="en-US"/>
           </a:p>
@@ -4239,7 +4239,7 @@
           <a:p>
             <a:fld id="{7B272C57-2FA0-4A9D-99A4-6F756B65018B}" type="datetimeFigureOut">
               <a:rPr lang="en-US" smtClean="0"/>
-              <a:t>1/11/2021</a:t>
+              <a:t>1/7/2022</a:t>
             </a:fld>
             <a:endParaRPr lang="en-US"/>
           </a:p>
@@ -4613,7 +4613,7 @@
           <a:p>
             <a:fld id="{7B272C57-2FA0-4A9D-99A4-6F756B65018B}" type="datetimeFigureOut">
               <a:rPr lang="en-US" smtClean="0"/>
-              <a:t>1/11/2021</a:t>
+              <a:t>1/7/2022</a:t>
             </a:fld>
             <a:endParaRPr lang="en-US"/>
           </a:p>
@@ -5113,7 +5113,7 @@
           <a:p>
             <a:fld id="{7B272C57-2FA0-4A9D-99A4-6F756B65018B}" type="datetimeFigureOut">
               <a:rPr lang="en-US" smtClean="0"/>
-              <a:t>1/11/2021</a:t>
+              <a:t>1/7/2022</a:t>
             </a:fld>
             <a:endParaRPr lang="en-US"/>
           </a:p>

--- a/inst/templates/TemplateDefault_169.pptx
+++ b/inst/templates/TemplateDefault_169.pptx
@@ -267,7 +267,7 @@
           <a:p>
             <a:fld id="{7B272C57-2FA0-4A9D-99A4-6F756B65018B}" type="datetimeFigureOut">
               <a:rPr lang="en-US" smtClean="0"/>
-              <a:t>1/7/2022</a:t>
+              <a:t>5/17/2022</a:t>
             </a:fld>
             <a:endParaRPr lang="en-US"/>
           </a:p>
@@ -341,6 +341,380 @@
 </file>
 
 <file path=ppt/slideLayouts/slideLayout10.xml><?xml version="1.0" encoding="utf-8"?>
+<p:sldLayout xmlns:a="http://schemas.openxmlformats.org/drawingml/2006/main" xmlns:r="http://schemas.openxmlformats.org/officeDocument/2006/relationships" xmlns:p="http://schemas.openxmlformats.org/presentationml/2006/main" preserve="1" userDrawn="1">
+  <p:cSld name="Two Content and Caption Left">
+    <p:bg>
+      <p:bgPr>
+        <a:solidFill>
+          <a:schemeClr val="bg1"/>
+        </a:solidFill>
+        <a:effectLst/>
+      </p:bgPr>
+    </p:bg>
+    <p:spTree>
+      <p:nvGrpSpPr>
+        <p:cNvPr id="1" name=""/>
+        <p:cNvGrpSpPr/>
+        <p:nvPr/>
+      </p:nvGrpSpPr>
+      <p:grpSpPr>
+        <a:xfrm>
+          <a:off x="0" y="0"/>
+          <a:ext cx="0" cy="0"/>
+          <a:chOff x="0" y="0"/>
+          <a:chExt cx="0" cy="0"/>
+        </a:xfrm>
+      </p:grpSpPr>
+      <p:sp>
+        <p:nvSpPr>
+          <p:cNvPr id="5" name="Date Placeholder 4">
+            <a:extLst>
+              <a:ext uri="{FF2B5EF4-FFF2-40B4-BE49-F238E27FC236}">
+                <a16:creationId xmlns:a16="http://schemas.microsoft.com/office/drawing/2014/main" id="{985F3433-3055-4279-A232-CDB35C481677}"/>
+              </a:ext>
+            </a:extLst>
+          </p:cNvPr>
+          <p:cNvSpPr>
+            <a:spLocks noGrp="1"/>
+          </p:cNvSpPr>
+          <p:nvPr>
+            <p:ph type="dt" sz="half" idx="10"/>
+          </p:nvPr>
+        </p:nvSpPr>
+        <p:spPr/>
+        <p:txBody>
+          <a:bodyPr/>
+          <a:lstStyle/>
+          <a:p>
+            <a:fld id="{7B272C57-2FA0-4A9D-99A4-6F756B65018B}" type="datetimeFigureOut">
+              <a:rPr lang="en-US" smtClean="0"/>
+              <a:t>5/17/2022</a:t>
+            </a:fld>
+            <a:endParaRPr lang="en-US"/>
+          </a:p>
+        </p:txBody>
+      </p:sp>
+      <p:sp>
+        <p:nvSpPr>
+          <p:cNvPr id="6" name="Footer Placeholder 5">
+            <a:extLst>
+              <a:ext uri="{FF2B5EF4-FFF2-40B4-BE49-F238E27FC236}">
+                <a16:creationId xmlns:a16="http://schemas.microsoft.com/office/drawing/2014/main" id="{C4190A63-5D67-4FD5-97FD-79F7445B6A2E}"/>
+              </a:ext>
+            </a:extLst>
+          </p:cNvPr>
+          <p:cNvSpPr>
+            <a:spLocks noGrp="1"/>
+          </p:cNvSpPr>
+          <p:nvPr>
+            <p:ph type="ftr" sz="quarter" idx="11"/>
+          </p:nvPr>
+        </p:nvSpPr>
+        <p:spPr/>
+        <p:txBody>
+          <a:bodyPr/>
+          <a:lstStyle/>
+          <a:p>
+            <a:endParaRPr lang="en-US"/>
+          </a:p>
+        </p:txBody>
+      </p:sp>
+      <p:sp>
+        <p:nvSpPr>
+          <p:cNvPr id="7" name="Slide Number Placeholder 6">
+            <a:extLst>
+              <a:ext uri="{FF2B5EF4-FFF2-40B4-BE49-F238E27FC236}">
+                <a16:creationId xmlns:a16="http://schemas.microsoft.com/office/drawing/2014/main" id="{D2687DAE-A442-4DC3-8550-20F58B781EC7}"/>
+              </a:ext>
+            </a:extLst>
+          </p:cNvPr>
+          <p:cNvSpPr>
+            <a:spLocks noGrp="1"/>
+          </p:cNvSpPr>
+          <p:nvPr>
+            <p:ph type="sldNum" sz="quarter" idx="12"/>
+          </p:nvPr>
+        </p:nvSpPr>
+        <p:spPr/>
+        <p:txBody>
+          <a:bodyPr/>
+          <a:lstStyle/>
+          <a:p>
+            <a:fld id="{C064A79B-B315-413E-88BB-EFE0B5D603D0}" type="slidenum">
+              <a:rPr lang="en-US" smtClean="0"/>
+              <a:t>‹#›</a:t>
+            </a:fld>
+            <a:endParaRPr lang="en-US"/>
+          </a:p>
+        </p:txBody>
+      </p:sp>
+      <p:sp>
+        <p:nvSpPr>
+          <p:cNvPr id="9" name="Title 1">
+            <a:extLst>
+              <a:ext uri="{FF2B5EF4-FFF2-40B4-BE49-F238E27FC236}">
+                <a16:creationId xmlns:a16="http://schemas.microsoft.com/office/drawing/2014/main" id="{177E17F1-D3B2-42A6-9982-8788655386CF}"/>
+              </a:ext>
+            </a:extLst>
+          </p:cNvPr>
+          <p:cNvSpPr>
+            <a:spLocks noGrp="1"/>
+          </p:cNvSpPr>
+          <p:nvPr>
+            <p:ph type="title"/>
+          </p:nvPr>
+        </p:nvSpPr>
+        <p:spPr>
+          <a:xfrm>
+            <a:off x="0" y="0"/>
+            <a:ext cx="12192000" cy="1013635"/>
+          </a:xfrm>
+          <a:solidFill>
+            <a:srgbClr val="2E3640"/>
+          </a:solidFill>
+        </p:spPr>
+        <p:txBody>
+          <a:bodyPr/>
+          <a:lstStyle>
+            <a:lvl1pPr>
+              <a:defRPr lang="en-US" dirty="0"/>
+            </a:lvl1pPr>
+          </a:lstStyle>
+          <a:p>
+            <a:r>
+              <a:rPr lang="en-US" dirty="0"/>
+              <a:t>Click to edit Master title style</a:t>
+            </a:r>
+          </a:p>
+        </p:txBody>
+      </p:sp>
+      <p:sp>
+        <p:nvSpPr>
+          <p:cNvPr id="10" name="Content Placeholder 2">
+            <a:extLst>
+              <a:ext uri="{FF2B5EF4-FFF2-40B4-BE49-F238E27FC236}">
+                <a16:creationId xmlns:a16="http://schemas.microsoft.com/office/drawing/2014/main" id="{F1A58CC4-526C-4991-898F-C0879D5343E8}"/>
+              </a:ext>
+            </a:extLst>
+          </p:cNvPr>
+          <p:cNvSpPr>
+            <a:spLocks noGrp="1"/>
+          </p:cNvSpPr>
+          <p:nvPr>
+            <p:ph sz="half" idx="1"/>
+          </p:nvPr>
+        </p:nvSpPr>
+        <p:spPr>
+          <a:xfrm>
+            <a:off x="250521" y="1205547"/>
+            <a:ext cx="5769279" cy="4446906"/>
+          </a:xfrm>
+        </p:spPr>
+        <p:txBody>
+          <a:bodyPr/>
+          <a:lstStyle/>
+          <a:p>
+            <a:pPr lvl="0"/>
+            <a:r>
+              <a:rPr lang="en-US"/>
+              <a:t>Click to edit Master text styles</a:t>
+            </a:r>
+          </a:p>
+          <a:p>
+            <a:pPr lvl="1"/>
+            <a:r>
+              <a:rPr lang="en-US"/>
+              <a:t>Second level</a:t>
+            </a:r>
+          </a:p>
+          <a:p>
+            <a:pPr lvl="2"/>
+            <a:r>
+              <a:rPr lang="en-US"/>
+              <a:t>Third level</a:t>
+            </a:r>
+          </a:p>
+          <a:p>
+            <a:pPr lvl="3"/>
+            <a:r>
+              <a:rPr lang="en-US"/>
+              <a:t>Fourth level</a:t>
+            </a:r>
+          </a:p>
+          <a:p>
+            <a:pPr lvl="4"/>
+            <a:r>
+              <a:rPr lang="en-US"/>
+              <a:t>Fifth level</a:t>
+            </a:r>
+          </a:p>
+        </p:txBody>
+      </p:sp>
+      <p:sp>
+        <p:nvSpPr>
+          <p:cNvPr id="11" name="Content Placeholder 3">
+            <a:extLst>
+              <a:ext uri="{FF2B5EF4-FFF2-40B4-BE49-F238E27FC236}">
+                <a16:creationId xmlns:a16="http://schemas.microsoft.com/office/drawing/2014/main" id="{CB008E43-F727-4C47-9855-9440A412ACCB}"/>
+              </a:ext>
+            </a:extLst>
+          </p:cNvPr>
+          <p:cNvSpPr>
+            <a:spLocks noGrp="1"/>
+          </p:cNvSpPr>
+          <p:nvPr>
+            <p:ph sz="half" idx="2"/>
+          </p:nvPr>
+        </p:nvSpPr>
+        <p:spPr>
+          <a:xfrm>
+            <a:off x="6172199" y="1205548"/>
+            <a:ext cx="5727527" cy="5021670"/>
+          </a:xfrm>
+        </p:spPr>
+        <p:txBody>
+          <a:bodyPr/>
+          <a:lstStyle/>
+          <a:p>
+            <a:pPr lvl="0"/>
+            <a:r>
+              <a:rPr lang="en-US"/>
+              <a:t>Click to edit Master text styles</a:t>
+            </a:r>
+          </a:p>
+          <a:p>
+            <a:pPr lvl="1"/>
+            <a:r>
+              <a:rPr lang="en-US"/>
+              <a:t>Second level</a:t>
+            </a:r>
+          </a:p>
+          <a:p>
+            <a:pPr lvl="2"/>
+            <a:r>
+              <a:rPr lang="en-US"/>
+              <a:t>Third level</a:t>
+            </a:r>
+          </a:p>
+          <a:p>
+            <a:pPr lvl="3"/>
+            <a:r>
+              <a:rPr lang="en-US"/>
+              <a:t>Fourth level</a:t>
+            </a:r>
+          </a:p>
+          <a:p>
+            <a:pPr lvl="4"/>
+            <a:r>
+              <a:rPr lang="en-US"/>
+              <a:t>Fifth level</a:t>
+            </a:r>
+          </a:p>
+        </p:txBody>
+      </p:sp>
+      <p:sp>
+        <p:nvSpPr>
+          <p:cNvPr id="3" name="Text Placeholder 2">
+            <a:extLst>
+              <a:ext uri="{FF2B5EF4-FFF2-40B4-BE49-F238E27FC236}">
+                <a16:creationId xmlns:a16="http://schemas.microsoft.com/office/drawing/2014/main" id="{B6810FF5-0B9C-4441-B73D-B10146FB8996}"/>
+              </a:ext>
+            </a:extLst>
+          </p:cNvPr>
+          <p:cNvSpPr>
+            <a:spLocks noGrp="1"/>
+          </p:cNvSpPr>
+          <p:nvPr>
+            <p:ph type="body" sz="quarter" idx="13"/>
+          </p:nvPr>
+        </p:nvSpPr>
+        <p:spPr>
+          <a:xfrm>
+            <a:off x="250521" y="5781584"/>
+            <a:ext cx="5769279" cy="445634"/>
+          </a:xfrm>
+        </p:spPr>
+        <p:txBody>
+          <a:bodyPr/>
+          <a:lstStyle>
+            <a:lvl1pPr marL="0" indent="0">
+              <a:buFont typeface="Arial" panose="020B0604020202020204" pitchFamily="34" charset="0"/>
+              <a:buNone/>
+              <a:defRPr sz="1200"/>
+            </a:lvl1pPr>
+            <a:lvl2pPr marL="457200" indent="0">
+              <a:buFont typeface="Arial" panose="020B0604020202020204" pitchFamily="34" charset="0"/>
+              <a:buNone/>
+              <a:defRPr sz="1100"/>
+            </a:lvl2pPr>
+            <a:lvl3pPr marL="914400" indent="0">
+              <a:buFont typeface="Arial" panose="020B0604020202020204" pitchFamily="34" charset="0"/>
+              <a:buNone/>
+              <a:defRPr sz="1050"/>
+            </a:lvl3pPr>
+            <a:lvl4pPr marL="1371600" indent="0">
+              <a:buFont typeface="Arial" panose="020B0604020202020204" pitchFamily="34" charset="0"/>
+              <a:buNone/>
+              <a:defRPr sz="1000"/>
+            </a:lvl4pPr>
+            <a:lvl5pPr marL="1828800" indent="0">
+              <a:buFont typeface="Arial" panose="020B0604020202020204" pitchFamily="34" charset="0"/>
+              <a:buNone/>
+              <a:defRPr sz="1000"/>
+            </a:lvl5pPr>
+          </a:lstStyle>
+          <a:p>
+            <a:pPr lvl="0"/>
+            <a:r>
+              <a:rPr lang="en-US" dirty="0"/>
+              <a:t>Click to edit Master text styles</a:t>
+            </a:r>
+          </a:p>
+          <a:p>
+            <a:pPr lvl="1"/>
+            <a:r>
+              <a:rPr lang="en-US" dirty="0"/>
+              <a:t>Second level</a:t>
+            </a:r>
+          </a:p>
+          <a:p>
+            <a:pPr lvl="2"/>
+            <a:r>
+              <a:rPr lang="en-US" dirty="0"/>
+              <a:t>Third level</a:t>
+            </a:r>
+          </a:p>
+          <a:p>
+            <a:pPr lvl="3"/>
+            <a:r>
+              <a:rPr lang="en-US" dirty="0"/>
+              <a:t>Fourth level</a:t>
+            </a:r>
+          </a:p>
+          <a:p>
+            <a:pPr lvl="4"/>
+            <a:r>
+              <a:rPr lang="en-US" dirty="0"/>
+              <a:t>Fifth level</a:t>
+            </a:r>
+            <a:endParaRPr lang="en-CH" dirty="0"/>
+          </a:p>
+        </p:txBody>
+      </p:sp>
+    </p:spTree>
+    <p:extLst>
+      <p:ext uri="{BB962C8B-B14F-4D97-AF65-F5344CB8AC3E}">
+        <p14:creationId xmlns:p14="http://schemas.microsoft.com/office/powerpoint/2010/main" val="3059227006"/>
+      </p:ext>
+    </p:extLst>
+  </p:cSld>
+  <p:clrMapOvr>
+    <a:masterClrMapping/>
+  </p:clrMapOvr>
+</p:sldLayout>
+</file>
+
+<file path=ppt/slideLayouts/slideLayout11.xml><?xml version="1.0" encoding="utf-8"?>
 <p:sldLayout xmlns:a="http://schemas.openxmlformats.org/drawingml/2006/main" xmlns:r="http://schemas.openxmlformats.org/officeDocument/2006/relationships" xmlns:p="http://schemas.openxmlformats.org/presentationml/2006/main" preserve="1" userDrawn="1">
   <p:cSld name="Two Content and Caption">
     <p:bg>
@@ -388,7 +762,7 @@
           <a:p>
             <a:fld id="{7B272C57-2FA0-4A9D-99A4-6F756B65018B}" type="datetimeFigureOut">
               <a:rPr lang="en-US" smtClean="0"/>
-              <a:t>1/7/2022</a:t>
+              <a:t>5/17/2022</a:t>
             </a:fld>
             <a:endParaRPr lang="en-US"/>
           </a:p>
@@ -805,7 +1179,7 @@
 </p:sldLayout>
 </file>
 
-<file path=ppt/slideLayouts/slideLayout11.xml><?xml version="1.0" encoding="utf-8"?>
+<file path=ppt/slideLayouts/slideLayout12.xml><?xml version="1.0" encoding="utf-8"?>
 <p:sldLayout xmlns:a="http://schemas.openxmlformats.org/drawingml/2006/main" xmlns:r="http://schemas.openxmlformats.org/officeDocument/2006/relationships" xmlns:p="http://schemas.openxmlformats.org/presentationml/2006/main" type="twoTxTwoObj" preserve="1">
   <p:cSld name="Comparison">
     <p:spTree>
@@ -1144,7 +1518,7 @@
           <a:p>
             <a:fld id="{7B272C57-2FA0-4A9D-99A4-6F756B65018B}" type="datetimeFigureOut">
               <a:rPr lang="en-US" smtClean="0"/>
-              <a:t>1/7/2022</a:t>
+              <a:t>5/17/2022</a:t>
             </a:fld>
             <a:endParaRPr lang="en-US"/>
           </a:p>
@@ -1217,7 +1591,7 @@
 </p:sldLayout>
 </file>
 
-<file path=ppt/slideLayouts/slideLayout12.xml><?xml version="1.0" encoding="utf-8"?>
+<file path=ppt/slideLayouts/slideLayout13.xml><?xml version="1.0" encoding="utf-8"?>
 <p:sldLayout xmlns:a="http://schemas.openxmlformats.org/drawingml/2006/main" xmlns:r="http://schemas.openxmlformats.org/officeDocument/2006/relationships" xmlns:p="http://schemas.openxmlformats.org/presentationml/2006/main" type="titleOnly" preserve="1">
   <p:cSld name="Title Only">
     <p:spTree>
@@ -1301,7 +1675,7 @@
           <a:p>
             <a:fld id="{7B272C57-2FA0-4A9D-99A4-6F756B65018B}" type="datetimeFigureOut">
               <a:rPr lang="en-US" smtClean="0"/>
-              <a:t>1/7/2022</a:t>
+              <a:t>5/17/2022</a:t>
             </a:fld>
             <a:endParaRPr lang="en-US"/>
           </a:p>
@@ -1374,7 +1748,7 @@
 </p:sldLayout>
 </file>
 
-<file path=ppt/slideLayouts/slideLayout13.xml><?xml version="1.0" encoding="utf-8"?>
+<file path=ppt/slideLayouts/slideLayout14.xml><?xml version="1.0" encoding="utf-8"?>
 <p:sldLayout xmlns:a="http://schemas.openxmlformats.org/drawingml/2006/main" xmlns:r="http://schemas.openxmlformats.org/officeDocument/2006/relationships" xmlns:p="http://schemas.openxmlformats.org/presentationml/2006/main" type="blank" preserve="1">
   <p:cSld name="Blank">
     <p:spTree>
@@ -1414,7 +1788,7 @@
           <a:p>
             <a:fld id="{7B272C57-2FA0-4A9D-99A4-6F756B65018B}" type="datetimeFigureOut">
               <a:rPr lang="en-US" smtClean="0"/>
-              <a:t>1/7/2022</a:t>
+              <a:t>5/17/2022</a:t>
             </a:fld>
             <a:endParaRPr lang="en-US"/>
           </a:p>
@@ -1487,7 +1861,7 @@
 </p:sldLayout>
 </file>
 
-<file path=ppt/slideLayouts/slideLayout14.xml><?xml version="1.0" encoding="utf-8"?>
+<file path=ppt/slideLayouts/slideLayout15.xml><?xml version="1.0" encoding="utf-8"?>
 <p:sldLayout xmlns:a="http://schemas.openxmlformats.org/drawingml/2006/main" xmlns:r="http://schemas.openxmlformats.org/officeDocument/2006/relationships" xmlns:p="http://schemas.openxmlformats.org/presentationml/2006/main" type="objTx" preserve="1">
   <p:cSld name="Content with Caption">
     <p:spTree>
@@ -1725,7 +2099,7 @@
           <a:p>
             <a:fld id="{7B272C57-2FA0-4A9D-99A4-6F756B65018B}" type="datetimeFigureOut">
               <a:rPr lang="en-US" smtClean="0"/>
-              <a:t>1/7/2022</a:t>
+              <a:t>5/17/2022</a:t>
             </a:fld>
             <a:endParaRPr lang="en-US"/>
           </a:p>
@@ -1798,7 +2172,7 @@
 </p:sldLayout>
 </file>
 
-<file path=ppt/slideLayouts/slideLayout15.xml><?xml version="1.0" encoding="utf-8"?>
+<file path=ppt/slideLayouts/slideLayout16.xml><?xml version="1.0" encoding="utf-8"?>
 <p:sldLayout xmlns:a="http://schemas.openxmlformats.org/drawingml/2006/main" xmlns:r="http://schemas.openxmlformats.org/officeDocument/2006/relationships" xmlns:p="http://schemas.openxmlformats.org/presentationml/2006/main" type="picTx" preserve="1">
   <p:cSld name="Picture with Caption">
     <p:spTree>
@@ -2013,7 +2387,7 @@
           <a:p>
             <a:fld id="{7B272C57-2FA0-4A9D-99A4-6F756B65018B}" type="datetimeFigureOut">
               <a:rPr lang="en-US" smtClean="0"/>
-              <a:t>1/7/2022</a:t>
+              <a:t>5/17/2022</a:t>
             </a:fld>
             <a:endParaRPr lang="en-US"/>
           </a:p>
@@ -2086,7 +2460,7 @@
 </p:sldLayout>
 </file>
 
-<file path=ppt/slideLayouts/slideLayout16.xml><?xml version="1.0" encoding="utf-8"?>
+<file path=ppt/slideLayouts/slideLayout17.xml><?xml version="1.0" encoding="utf-8"?>
 <p:sldLayout xmlns:a="http://schemas.openxmlformats.org/drawingml/2006/main" xmlns:r="http://schemas.openxmlformats.org/officeDocument/2006/relationships" xmlns:p="http://schemas.openxmlformats.org/presentationml/2006/main" type="vertTx" preserve="1">
   <p:cSld name="Title and Vertical Text">
     <p:spTree>
@@ -2211,7 +2585,7 @@
           <a:p>
             <a:fld id="{7B272C57-2FA0-4A9D-99A4-6F756B65018B}" type="datetimeFigureOut">
               <a:rPr lang="en-US" smtClean="0"/>
-              <a:t>1/7/2022</a:t>
+              <a:t>5/17/2022</a:t>
             </a:fld>
             <a:endParaRPr lang="en-US"/>
           </a:p>
@@ -2284,7 +2658,7 @@
 </p:sldLayout>
 </file>
 
-<file path=ppt/slideLayouts/slideLayout17.xml><?xml version="1.0" encoding="utf-8"?>
+<file path=ppt/slideLayouts/slideLayout18.xml><?xml version="1.0" encoding="utf-8"?>
 <p:sldLayout xmlns:a="http://schemas.openxmlformats.org/drawingml/2006/main" xmlns:r="http://schemas.openxmlformats.org/officeDocument/2006/relationships" xmlns:p="http://schemas.openxmlformats.org/presentationml/2006/main" type="vertTitleAndTx" preserve="1">
   <p:cSld name="Vertical Title and Text">
     <p:spTree>
@@ -2419,7 +2793,7 @@
           <a:p>
             <a:fld id="{7B272C57-2FA0-4A9D-99A4-6F756B65018B}" type="datetimeFigureOut">
               <a:rPr lang="en-US" smtClean="0"/>
-              <a:t>1/7/2022</a:t>
+              <a:t>5/17/2022</a:t>
             </a:fld>
             <a:endParaRPr lang="en-US"/>
           </a:p>
@@ -2622,7 +2996,7 @@
           <a:p>
             <a:fld id="{7B272C57-2FA0-4A9D-99A4-6F756B65018B}" type="datetimeFigureOut">
               <a:rPr lang="en-US" smtClean="0"/>
-              <a:t>1/7/2022</a:t>
+              <a:t>5/17/2022</a:t>
             </a:fld>
             <a:endParaRPr lang="en-US"/>
           </a:p>
@@ -2835,7 +3209,7 @@
           <a:p>
             <a:fld id="{7B272C57-2FA0-4A9D-99A4-6F756B65018B}" type="datetimeFigureOut">
               <a:rPr lang="en-US" smtClean="0"/>
-              <a:t>1/7/2022</a:t>
+              <a:t>5/17/2022</a:t>
             </a:fld>
             <a:endParaRPr lang="en-US" dirty="0"/>
           </a:p>
@@ -3108,7 +3482,7 @@
           <a:p>
             <a:fld id="{7B272C57-2FA0-4A9D-99A4-6F756B65018B}" type="datetimeFigureOut">
               <a:rPr lang="en-US" smtClean="0"/>
-              <a:t>1/7/2022</a:t>
+              <a:t>5/17/2022</a:t>
             </a:fld>
             <a:endParaRPr lang="en-US"/>
           </a:p>
@@ -3407,7 +3781,7 @@
           <a:p>
             <a:fld id="{7B272C57-2FA0-4A9D-99A4-6F756B65018B}" type="datetimeFigureOut">
               <a:rPr lang="en-US" smtClean="0"/>
-              <a:t>1/7/2022</a:t>
+              <a:t>5/17/2022</a:t>
             </a:fld>
             <a:endParaRPr lang="en-US"/>
           </a:p>
@@ -3833,7 +4207,7 @@
           <a:p>
             <a:fld id="{7B272C57-2FA0-4A9D-99A4-6F756B65018B}" type="datetimeFigureOut">
               <a:rPr lang="en-US" smtClean="0"/>
-              <a:t>1/7/2022</a:t>
+              <a:t>5/17/2022</a:t>
             </a:fld>
             <a:endParaRPr lang="en-US"/>
           </a:p>
@@ -3954,7 +4328,7 @@
           <a:p>
             <a:fld id="{7B272C57-2FA0-4A9D-99A4-6F756B65018B}" type="datetimeFigureOut">
               <a:rPr lang="en-US" smtClean="0"/>
-              <a:t>1/7/2022</a:t>
+              <a:t>5/17/2022</a:t>
             </a:fld>
             <a:endParaRPr lang="en-US"/>
           </a:p>
@@ -4192,6 +4566,309 @@
 </file>
 
 <file path=ppt/slideLayouts/slideLayout8.xml><?xml version="1.0" encoding="utf-8"?>
+<p:sldLayout xmlns:a="http://schemas.openxmlformats.org/drawingml/2006/main" xmlns:r="http://schemas.openxmlformats.org/officeDocument/2006/relationships" xmlns:p="http://schemas.openxmlformats.org/presentationml/2006/main" preserve="1" userDrawn="1">
+  <p:cSld name="Two Content Right Bigger">
+    <p:bg>
+      <p:bgPr>
+        <a:solidFill>
+          <a:schemeClr val="bg1"/>
+        </a:solidFill>
+        <a:effectLst/>
+      </p:bgPr>
+    </p:bg>
+    <p:spTree>
+      <p:nvGrpSpPr>
+        <p:cNvPr id="1" name=""/>
+        <p:cNvGrpSpPr/>
+        <p:nvPr/>
+      </p:nvGrpSpPr>
+      <p:grpSpPr>
+        <a:xfrm>
+          <a:off x="0" y="0"/>
+          <a:ext cx="0" cy="0"/>
+          <a:chOff x="0" y="0"/>
+          <a:chExt cx="0" cy="0"/>
+        </a:xfrm>
+      </p:grpSpPr>
+      <p:sp>
+        <p:nvSpPr>
+          <p:cNvPr id="5" name="Date Placeholder 4">
+            <a:extLst>
+              <a:ext uri="{FF2B5EF4-FFF2-40B4-BE49-F238E27FC236}">
+                <a16:creationId xmlns:a16="http://schemas.microsoft.com/office/drawing/2014/main" id="{985F3433-3055-4279-A232-CDB35C481677}"/>
+              </a:ext>
+            </a:extLst>
+          </p:cNvPr>
+          <p:cNvSpPr>
+            <a:spLocks noGrp="1"/>
+          </p:cNvSpPr>
+          <p:nvPr>
+            <p:ph type="dt" sz="half" idx="10"/>
+          </p:nvPr>
+        </p:nvSpPr>
+        <p:spPr/>
+        <p:txBody>
+          <a:bodyPr/>
+          <a:lstStyle/>
+          <a:p>
+            <a:fld id="{7B272C57-2FA0-4A9D-99A4-6F756B65018B}" type="datetimeFigureOut">
+              <a:rPr lang="en-US" smtClean="0"/>
+              <a:t>5/17/2022</a:t>
+            </a:fld>
+            <a:endParaRPr lang="en-US"/>
+          </a:p>
+        </p:txBody>
+      </p:sp>
+      <p:sp>
+        <p:nvSpPr>
+          <p:cNvPr id="6" name="Footer Placeholder 5">
+            <a:extLst>
+              <a:ext uri="{FF2B5EF4-FFF2-40B4-BE49-F238E27FC236}">
+                <a16:creationId xmlns:a16="http://schemas.microsoft.com/office/drawing/2014/main" id="{C4190A63-5D67-4FD5-97FD-79F7445B6A2E}"/>
+              </a:ext>
+            </a:extLst>
+          </p:cNvPr>
+          <p:cNvSpPr>
+            <a:spLocks noGrp="1"/>
+          </p:cNvSpPr>
+          <p:nvPr>
+            <p:ph type="ftr" sz="quarter" idx="11"/>
+          </p:nvPr>
+        </p:nvSpPr>
+        <p:spPr/>
+        <p:txBody>
+          <a:bodyPr/>
+          <a:lstStyle/>
+          <a:p>
+            <a:endParaRPr lang="en-US"/>
+          </a:p>
+        </p:txBody>
+      </p:sp>
+      <p:sp>
+        <p:nvSpPr>
+          <p:cNvPr id="7" name="Slide Number Placeholder 6">
+            <a:extLst>
+              <a:ext uri="{FF2B5EF4-FFF2-40B4-BE49-F238E27FC236}">
+                <a16:creationId xmlns:a16="http://schemas.microsoft.com/office/drawing/2014/main" id="{D2687DAE-A442-4DC3-8550-20F58B781EC7}"/>
+              </a:ext>
+            </a:extLst>
+          </p:cNvPr>
+          <p:cNvSpPr>
+            <a:spLocks noGrp="1"/>
+          </p:cNvSpPr>
+          <p:nvPr>
+            <p:ph type="sldNum" sz="quarter" idx="12"/>
+          </p:nvPr>
+        </p:nvSpPr>
+        <p:spPr/>
+        <p:txBody>
+          <a:bodyPr/>
+          <a:lstStyle/>
+          <a:p>
+            <a:fld id="{C064A79B-B315-413E-88BB-EFE0B5D603D0}" type="slidenum">
+              <a:rPr lang="en-US" smtClean="0"/>
+              <a:t>‹#›</a:t>
+            </a:fld>
+            <a:endParaRPr lang="en-US"/>
+          </a:p>
+        </p:txBody>
+      </p:sp>
+      <p:sp>
+        <p:nvSpPr>
+          <p:cNvPr id="9" name="Title 1">
+            <a:extLst>
+              <a:ext uri="{FF2B5EF4-FFF2-40B4-BE49-F238E27FC236}">
+                <a16:creationId xmlns:a16="http://schemas.microsoft.com/office/drawing/2014/main" id="{177E17F1-D3B2-42A6-9982-8788655386CF}"/>
+              </a:ext>
+            </a:extLst>
+          </p:cNvPr>
+          <p:cNvSpPr>
+            <a:spLocks noGrp="1"/>
+          </p:cNvSpPr>
+          <p:nvPr>
+            <p:ph type="title"/>
+          </p:nvPr>
+        </p:nvSpPr>
+        <p:spPr>
+          <a:xfrm>
+            <a:off x="0" y="0"/>
+            <a:ext cx="12192000" cy="1013635"/>
+          </a:xfrm>
+          <a:solidFill>
+            <a:srgbClr val="2E3640"/>
+          </a:solidFill>
+        </p:spPr>
+        <p:txBody>
+          <a:bodyPr/>
+          <a:lstStyle>
+            <a:lvl1pPr>
+              <a:defRPr lang="en-US" dirty="0"/>
+            </a:lvl1pPr>
+          </a:lstStyle>
+          <a:p>
+            <a:r>
+              <a:rPr lang="en-US" dirty="0"/>
+              <a:t>Click to edit Master title style</a:t>
+            </a:r>
+          </a:p>
+        </p:txBody>
+      </p:sp>
+      <p:sp>
+        <p:nvSpPr>
+          <p:cNvPr id="10" name="Content Placeholder 2">
+            <a:extLst>
+              <a:ext uri="{FF2B5EF4-FFF2-40B4-BE49-F238E27FC236}">
+                <a16:creationId xmlns:a16="http://schemas.microsoft.com/office/drawing/2014/main" id="{F1A58CC4-526C-4991-898F-C0879D5343E8}"/>
+              </a:ext>
+            </a:extLst>
+          </p:cNvPr>
+          <p:cNvSpPr>
+            <a:spLocks noGrp="1"/>
+          </p:cNvSpPr>
+          <p:nvPr>
+            <p:ph sz="half" idx="1"/>
+          </p:nvPr>
+        </p:nvSpPr>
+        <p:spPr>
+          <a:xfrm>
+            <a:off x="250521" y="1205547"/>
+            <a:ext cx="2893512" cy="4971416"/>
+          </a:xfrm>
+        </p:spPr>
+        <p:txBody>
+          <a:bodyPr>
+            <a:normAutofit/>
+          </a:bodyPr>
+          <a:lstStyle>
+            <a:lvl1pPr>
+              <a:defRPr sz="1600"/>
+            </a:lvl1pPr>
+            <a:lvl2pPr>
+              <a:defRPr sz="1400"/>
+            </a:lvl2pPr>
+            <a:lvl3pPr>
+              <a:defRPr sz="1200"/>
+            </a:lvl3pPr>
+            <a:lvl4pPr>
+              <a:defRPr sz="1100"/>
+            </a:lvl4pPr>
+            <a:lvl5pPr>
+              <a:defRPr sz="1100"/>
+            </a:lvl5pPr>
+          </a:lstStyle>
+          <a:p>
+            <a:pPr lvl="0"/>
+            <a:r>
+              <a:rPr lang="en-US" dirty="0"/>
+              <a:t>Click to edit Master text styles</a:t>
+            </a:r>
+          </a:p>
+          <a:p>
+            <a:pPr lvl="1"/>
+            <a:r>
+              <a:rPr lang="en-US" dirty="0"/>
+              <a:t>Second level</a:t>
+            </a:r>
+          </a:p>
+          <a:p>
+            <a:pPr lvl="2"/>
+            <a:r>
+              <a:rPr lang="en-US" dirty="0"/>
+              <a:t>Third level</a:t>
+            </a:r>
+          </a:p>
+          <a:p>
+            <a:pPr lvl="3"/>
+            <a:r>
+              <a:rPr lang="en-US" dirty="0"/>
+              <a:t>Fourth level</a:t>
+            </a:r>
+          </a:p>
+          <a:p>
+            <a:pPr lvl="4"/>
+            <a:r>
+              <a:rPr lang="en-US" dirty="0"/>
+              <a:t>Fifth level</a:t>
+            </a:r>
+          </a:p>
+        </p:txBody>
+      </p:sp>
+      <p:sp>
+        <p:nvSpPr>
+          <p:cNvPr id="11" name="Content Placeholder 3">
+            <a:extLst>
+              <a:ext uri="{FF2B5EF4-FFF2-40B4-BE49-F238E27FC236}">
+                <a16:creationId xmlns:a16="http://schemas.microsoft.com/office/drawing/2014/main" id="{CB008E43-F727-4C47-9855-9440A412ACCB}"/>
+              </a:ext>
+            </a:extLst>
+          </p:cNvPr>
+          <p:cNvSpPr>
+            <a:spLocks noGrp="1"/>
+          </p:cNvSpPr>
+          <p:nvPr>
+            <p:ph sz="half" idx="2"/>
+          </p:nvPr>
+        </p:nvSpPr>
+        <p:spPr>
+          <a:xfrm>
+            <a:off x="3144033" y="1205547"/>
+            <a:ext cx="8755694" cy="4971416"/>
+          </a:xfrm>
+        </p:spPr>
+        <p:txBody>
+          <a:bodyPr/>
+          <a:lstStyle/>
+          <a:p>
+            <a:pPr lvl="0"/>
+            <a:r>
+              <a:rPr lang="en-US" dirty="0"/>
+              <a:t>Click to edit Master text styles</a:t>
+            </a:r>
+          </a:p>
+          <a:p>
+            <a:pPr lvl="1"/>
+            <a:r>
+              <a:rPr lang="en-US" dirty="0"/>
+              <a:t>Second level</a:t>
+            </a:r>
+          </a:p>
+          <a:p>
+            <a:pPr lvl="2"/>
+            <a:r>
+              <a:rPr lang="en-US" dirty="0"/>
+              <a:t>Third level</a:t>
+            </a:r>
+          </a:p>
+          <a:p>
+            <a:pPr lvl="3"/>
+            <a:r>
+              <a:rPr lang="en-US" dirty="0"/>
+              <a:t>Fourth level</a:t>
+            </a:r>
+          </a:p>
+          <a:p>
+            <a:pPr lvl="4"/>
+            <a:r>
+              <a:rPr lang="en-US" dirty="0"/>
+              <a:t>Fifth level</a:t>
+            </a:r>
+          </a:p>
+        </p:txBody>
+      </p:sp>
+    </p:spTree>
+    <p:extLst>
+      <p:ext uri="{BB962C8B-B14F-4D97-AF65-F5344CB8AC3E}">
+        <p14:creationId xmlns:p14="http://schemas.microsoft.com/office/powerpoint/2010/main" val="3917603814"/>
+      </p:ext>
+    </p:extLst>
+  </p:cSld>
+  <p:clrMapOvr>
+    <a:masterClrMapping/>
+  </p:clrMapOvr>
+</p:sldLayout>
+</file>
+
+<file path=ppt/slideLayouts/slideLayout9.xml><?xml version="1.0" encoding="utf-8"?>
 <p:sldLayout xmlns:a="http://schemas.openxmlformats.org/drawingml/2006/main" xmlns:r="http://schemas.openxmlformats.org/officeDocument/2006/relationships" xmlns:p="http://schemas.openxmlformats.org/presentationml/2006/main" preserve="1" userDrawn="1">
   <p:cSld name="Two Content and Caption Right">
     <p:bg>
@@ -4239,7 +4916,7 @@
           <a:p>
             <a:fld id="{7B272C57-2FA0-4A9D-99A4-6F756B65018B}" type="datetimeFigureOut">
               <a:rPr lang="en-US" smtClean="0"/>
-              <a:t>1/7/2022</a:t>
+              <a:t>5/17/2022</a:t>
             </a:fld>
             <a:endParaRPr lang="en-US"/>
           </a:p>
@@ -4556,380 +5233,6 @@
     <p:extLst>
       <p:ext uri="{BB962C8B-B14F-4D97-AF65-F5344CB8AC3E}">
         <p14:creationId xmlns:p14="http://schemas.microsoft.com/office/powerpoint/2010/main" val="3584477701"/>
-      </p:ext>
-    </p:extLst>
-  </p:cSld>
-  <p:clrMapOvr>
-    <a:masterClrMapping/>
-  </p:clrMapOvr>
-</p:sldLayout>
-</file>
-
-<file path=ppt/slideLayouts/slideLayout9.xml><?xml version="1.0" encoding="utf-8"?>
-<p:sldLayout xmlns:a="http://schemas.openxmlformats.org/drawingml/2006/main" xmlns:r="http://schemas.openxmlformats.org/officeDocument/2006/relationships" xmlns:p="http://schemas.openxmlformats.org/presentationml/2006/main" preserve="1" userDrawn="1">
-  <p:cSld name="Two Content and Caption Left">
-    <p:bg>
-      <p:bgPr>
-        <a:solidFill>
-          <a:schemeClr val="bg1"/>
-        </a:solidFill>
-        <a:effectLst/>
-      </p:bgPr>
-    </p:bg>
-    <p:spTree>
-      <p:nvGrpSpPr>
-        <p:cNvPr id="1" name=""/>
-        <p:cNvGrpSpPr/>
-        <p:nvPr/>
-      </p:nvGrpSpPr>
-      <p:grpSpPr>
-        <a:xfrm>
-          <a:off x="0" y="0"/>
-          <a:ext cx="0" cy="0"/>
-          <a:chOff x="0" y="0"/>
-          <a:chExt cx="0" cy="0"/>
-        </a:xfrm>
-      </p:grpSpPr>
-      <p:sp>
-        <p:nvSpPr>
-          <p:cNvPr id="5" name="Date Placeholder 4">
-            <a:extLst>
-              <a:ext uri="{FF2B5EF4-FFF2-40B4-BE49-F238E27FC236}">
-                <a16:creationId xmlns:a16="http://schemas.microsoft.com/office/drawing/2014/main" id="{985F3433-3055-4279-A232-CDB35C481677}"/>
-              </a:ext>
-            </a:extLst>
-          </p:cNvPr>
-          <p:cNvSpPr>
-            <a:spLocks noGrp="1"/>
-          </p:cNvSpPr>
-          <p:nvPr>
-            <p:ph type="dt" sz="half" idx="10"/>
-          </p:nvPr>
-        </p:nvSpPr>
-        <p:spPr/>
-        <p:txBody>
-          <a:bodyPr/>
-          <a:lstStyle/>
-          <a:p>
-            <a:fld id="{7B272C57-2FA0-4A9D-99A4-6F756B65018B}" type="datetimeFigureOut">
-              <a:rPr lang="en-US" smtClean="0"/>
-              <a:t>1/7/2022</a:t>
-            </a:fld>
-            <a:endParaRPr lang="en-US"/>
-          </a:p>
-        </p:txBody>
-      </p:sp>
-      <p:sp>
-        <p:nvSpPr>
-          <p:cNvPr id="6" name="Footer Placeholder 5">
-            <a:extLst>
-              <a:ext uri="{FF2B5EF4-FFF2-40B4-BE49-F238E27FC236}">
-                <a16:creationId xmlns:a16="http://schemas.microsoft.com/office/drawing/2014/main" id="{C4190A63-5D67-4FD5-97FD-79F7445B6A2E}"/>
-              </a:ext>
-            </a:extLst>
-          </p:cNvPr>
-          <p:cNvSpPr>
-            <a:spLocks noGrp="1"/>
-          </p:cNvSpPr>
-          <p:nvPr>
-            <p:ph type="ftr" sz="quarter" idx="11"/>
-          </p:nvPr>
-        </p:nvSpPr>
-        <p:spPr/>
-        <p:txBody>
-          <a:bodyPr/>
-          <a:lstStyle/>
-          <a:p>
-            <a:endParaRPr lang="en-US"/>
-          </a:p>
-        </p:txBody>
-      </p:sp>
-      <p:sp>
-        <p:nvSpPr>
-          <p:cNvPr id="7" name="Slide Number Placeholder 6">
-            <a:extLst>
-              <a:ext uri="{FF2B5EF4-FFF2-40B4-BE49-F238E27FC236}">
-                <a16:creationId xmlns:a16="http://schemas.microsoft.com/office/drawing/2014/main" id="{D2687DAE-A442-4DC3-8550-20F58B781EC7}"/>
-              </a:ext>
-            </a:extLst>
-          </p:cNvPr>
-          <p:cNvSpPr>
-            <a:spLocks noGrp="1"/>
-          </p:cNvSpPr>
-          <p:nvPr>
-            <p:ph type="sldNum" sz="quarter" idx="12"/>
-          </p:nvPr>
-        </p:nvSpPr>
-        <p:spPr/>
-        <p:txBody>
-          <a:bodyPr/>
-          <a:lstStyle/>
-          <a:p>
-            <a:fld id="{C064A79B-B315-413E-88BB-EFE0B5D603D0}" type="slidenum">
-              <a:rPr lang="en-US" smtClean="0"/>
-              <a:t>‹#›</a:t>
-            </a:fld>
-            <a:endParaRPr lang="en-US"/>
-          </a:p>
-        </p:txBody>
-      </p:sp>
-      <p:sp>
-        <p:nvSpPr>
-          <p:cNvPr id="9" name="Title 1">
-            <a:extLst>
-              <a:ext uri="{FF2B5EF4-FFF2-40B4-BE49-F238E27FC236}">
-                <a16:creationId xmlns:a16="http://schemas.microsoft.com/office/drawing/2014/main" id="{177E17F1-D3B2-42A6-9982-8788655386CF}"/>
-              </a:ext>
-            </a:extLst>
-          </p:cNvPr>
-          <p:cNvSpPr>
-            <a:spLocks noGrp="1"/>
-          </p:cNvSpPr>
-          <p:nvPr>
-            <p:ph type="title"/>
-          </p:nvPr>
-        </p:nvSpPr>
-        <p:spPr>
-          <a:xfrm>
-            <a:off x="0" y="0"/>
-            <a:ext cx="12192000" cy="1013635"/>
-          </a:xfrm>
-          <a:solidFill>
-            <a:srgbClr val="2E3640"/>
-          </a:solidFill>
-        </p:spPr>
-        <p:txBody>
-          <a:bodyPr/>
-          <a:lstStyle>
-            <a:lvl1pPr>
-              <a:defRPr lang="en-US" dirty="0"/>
-            </a:lvl1pPr>
-          </a:lstStyle>
-          <a:p>
-            <a:r>
-              <a:rPr lang="en-US" dirty="0"/>
-              <a:t>Click to edit Master title style</a:t>
-            </a:r>
-          </a:p>
-        </p:txBody>
-      </p:sp>
-      <p:sp>
-        <p:nvSpPr>
-          <p:cNvPr id="10" name="Content Placeholder 2">
-            <a:extLst>
-              <a:ext uri="{FF2B5EF4-FFF2-40B4-BE49-F238E27FC236}">
-                <a16:creationId xmlns:a16="http://schemas.microsoft.com/office/drawing/2014/main" id="{F1A58CC4-526C-4991-898F-C0879D5343E8}"/>
-              </a:ext>
-            </a:extLst>
-          </p:cNvPr>
-          <p:cNvSpPr>
-            <a:spLocks noGrp="1"/>
-          </p:cNvSpPr>
-          <p:nvPr>
-            <p:ph sz="half" idx="1"/>
-          </p:nvPr>
-        </p:nvSpPr>
-        <p:spPr>
-          <a:xfrm>
-            <a:off x="250521" y="1205547"/>
-            <a:ext cx="5769279" cy="4446906"/>
-          </a:xfrm>
-        </p:spPr>
-        <p:txBody>
-          <a:bodyPr/>
-          <a:lstStyle/>
-          <a:p>
-            <a:pPr lvl="0"/>
-            <a:r>
-              <a:rPr lang="en-US"/>
-              <a:t>Click to edit Master text styles</a:t>
-            </a:r>
-          </a:p>
-          <a:p>
-            <a:pPr lvl="1"/>
-            <a:r>
-              <a:rPr lang="en-US"/>
-              <a:t>Second level</a:t>
-            </a:r>
-          </a:p>
-          <a:p>
-            <a:pPr lvl="2"/>
-            <a:r>
-              <a:rPr lang="en-US"/>
-              <a:t>Third level</a:t>
-            </a:r>
-          </a:p>
-          <a:p>
-            <a:pPr lvl="3"/>
-            <a:r>
-              <a:rPr lang="en-US"/>
-              <a:t>Fourth level</a:t>
-            </a:r>
-          </a:p>
-          <a:p>
-            <a:pPr lvl="4"/>
-            <a:r>
-              <a:rPr lang="en-US"/>
-              <a:t>Fifth level</a:t>
-            </a:r>
-          </a:p>
-        </p:txBody>
-      </p:sp>
-      <p:sp>
-        <p:nvSpPr>
-          <p:cNvPr id="11" name="Content Placeholder 3">
-            <a:extLst>
-              <a:ext uri="{FF2B5EF4-FFF2-40B4-BE49-F238E27FC236}">
-                <a16:creationId xmlns:a16="http://schemas.microsoft.com/office/drawing/2014/main" id="{CB008E43-F727-4C47-9855-9440A412ACCB}"/>
-              </a:ext>
-            </a:extLst>
-          </p:cNvPr>
-          <p:cNvSpPr>
-            <a:spLocks noGrp="1"/>
-          </p:cNvSpPr>
-          <p:nvPr>
-            <p:ph sz="half" idx="2"/>
-          </p:nvPr>
-        </p:nvSpPr>
-        <p:spPr>
-          <a:xfrm>
-            <a:off x="6172199" y="1205548"/>
-            <a:ext cx="5727527" cy="5021670"/>
-          </a:xfrm>
-        </p:spPr>
-        <p:txBody>
-          <a:bodyPr/>
-          <a:lstStyle/>
-          <a:p>
-            <a:pPr lvl="0"/>
-            <a:r>
-              <a:rPr lang="en-US"/>
-              <a:t>Click to edit Master text styles</a:t>
-            </a:r>
-          </a:p>
-          <a:p>
-            <a:pPr lvl="1"/>
-            <a:r>
-              <a:rPr lang="en-US"/>
-              <a:t>Second level</a:t>
-            </a:r>
-          </a:p>
-          <a:p>
-            <a:pPr lvl="2"/>
-            <a:r>
-              <a:rPr lang="en-US"/>
-              <a:t>Third level</a:t>
-            </a:r>
-          </a:p>
-          <a:p>
-            <a:pPr lvl="3"/>
-            <a:r>
-              <a:rPr lang="en-US"/>
-              <a:t>Fourth level</a:t>
-            </a:r>
-          </a:p>
-          <a:p>
-            <a:pPr lvl="4"/>
-            <a:r>
-              <a:rPr lang="en-US"/>
-              <a:t>Fifth level</a:t>
-            </a:r>
-          </a:p>
-        </p:txBody>
-      </p:sp>
-      <p:sp>
-        <p:nvSpPr>
-          <p:cNvPr id="3" name="Text Placeholder 2">
-            <a:extLst>
-              <a:ext uri="{FF2B5EF4-FFF2-40B4-BE49-F238E27FC236}">
-                <a16:creationId xmlns:a16="http://schemas.microsoft.com/office/drawing/2014/main" id="{B6810FF5-0B9C-4441-B73D-B10146FB8996}"/>
-              </a:ext>
-            </a:extLst>
-          </p:cNvPr>
-          <p:cNvSpPr>
-            <a:spLocks noGrp="1"/>
-          </p:cNvSpPr>
-          <p:nvPr>
-            <p:ph type="body" sz="quarter" idx="13"/>
-          </p:nvPr>
-        </p:nvSpPr>
-        <p:spPr>
-          <a:xfrm>
-            <a:off x="250521" y="5781584"/>
-            <a:ext cx="5769279" cy="445634"/>
-          </a:xfrm>
-        </p:spPr>
-        <p:txBody>
-          <a:bodyPr/>
-          <a:lstStyle>
-            <a:lvl1pPr marL="0" indent="0">
-              <a:buFont typeface="Arial" panose="020B0604020202020204" pitchFamily="34" charset="0"/>
-              <a:buNone/>
-              <a:defRPr sz="1200"/>
-            </a:lvl1pPr>
-            <a:lvl2pPr marL="457200" indent="0">
-              <a:buFont typeface="Arial" panose="020B0604020202020204" pitchFamily="34" charset="0"/>
-              <a:buNone/>
-              <a:defRPr sz="1100"/>
-            </a:lvl2pPr>
-            <a:lvl3pPr marL="914400" indent="0">
-              <a:buFont typeface="Arial" panose="020B0604020202020204" pitchFamily="34" charset="0"/>
-              <a:buNone/>
-              <a:defRPr sz="1050"/>
-            </a:lvl3pPr>
-            <a:lvl4pPr marL="1371600" indent="0">
-              <a:buFont typeface="Arial" panose="020B0604020202020204" pitchFamily="34" charset="0"/>
-              <a:buNone/>
-              <a:defRPr sz="1000"/>
-            </a:lvl4pPr>
-            <a:lvl5pPr marL="1828800" indent="0">
-              <a:buFont typeface="Arial" panose="020B0604020202020204" pitchFamily="34" charset="0"/>
-              <a:buNone/>
-              <a:defRPr sz="1000"/>
-            </a:lvl5pPr>
-          </a:lstStyle>
-          <a:p>
-            <a:pPr lvl="0"/>
-            <a:r>
-              <a:rPr lang="en-US" dirty="0"/>
-              <a:t>Click to edit Master text styles</a:t>
-            </a:r>
-          </a:p>
-          <a:p>
-            <a:pPr lvl="1"/>
-            <a:r>
-              <a:rPr lang="en-US" dirty="0"/>
-              <a:t>Second level</a:t>
-            </a:r>
-          </a:p>
-          <a:p>
-            <a:pPr lvl="2"/>
-            <a:r>
-              <a:rPr lang="en-US" dirty="0"/>
-              <a:t>Third level</a:t>
-            </a:r>
-          </a:p>
-          <a:p>
-            <a:pPr lvl="3"/>
-            <a:r>
-              <a:rPr lang="en-US" dirty="0"/>
-              <a:t>Fourth level</a:t>
-            </a:r>
-          </a:p>
-          <a:p>
-            <a:pPr lvl="4"/>
-            <a:r>
-              <a:rPr lang="en-US" dirty="0"/>
-              <a:t>Fifth level</a:t>
-            </a:r>
-            <a:endParaRPr lang="en-CH" dirty="0"/>
-          </a:p>
-        </p:txBody>
-      </p:sp>
-    </p:spTree>
-    <p:extLst>
-      <p:ext uri="{BB962C8B-B14F-4D97-AF65-F5344CB8AC3E}">
-        <p14:creationId xmlns:p14="http://schemas.microsoft.com/office/powerpoint/2010/main" val="3059227006"/>
       </p:ext>
     </p:extLst>
   </p:cSld>
@@ -5113,7 +5416,7 @@
           <a:p>
             <a:fld id="{7B272C57-2FA0-4A9D-99A4-6F756B65018B}" type="datetimeFigureOut">
               <a:rPr lang="en-US" smtClean="0"/>
-              <a:t>1/7/2022</a:t>
+              <a:t>5/17/2022</a:t>
             </a:fld>
             <a:endParaRPr lang="en-US"/>
           </a:p>
@@ -5224,7 +5527,7 @@
           <p:nvPr userDrawn="1"/>
         </p:nvPicPr>
         <p:blipFill>
-          <a:blip r:embed="rId19"/>
+          <a:blip r:embed="rId20"/>
           <a:stretch>
             <a:fillRect/>
           </a:stretch>
@@ -5255,16 +5558,17 @@
     <p:sldLayoutId id="2147483665" r:id="rId5"/>
     <p:sldLayoutId id="2147483651" r:id="rId6"/>
     <p:sldLayoutId id="2147483652" r:id="rId7"/>
-    <p:sldLayoutId id="2147483661" r:id="rId8"/>
-    <p:sldLayoutId id="2147483662" r:id="rId9"/>
-    <p:sldLayoutId id="2147483663" r:id="rId10"/>
-    <p:sldLayoutId id="2147483653" r:id="rId11"/>
-    <p:sldLayoutId id="2147483654" r:id="rId12"/>
-    <p:sldLayoutId id="2147483655" r:id="rId13"/>
-    <p:sldLayoutId id="2147483656" r:id="rId14"/>
-    <p:sldLayoutId id="2147483657" r:id="rId15"/>
-    <p:sldLayoutId id="2147483658" r:id="rId16"/>
-    <p:sldLayoutId id="2147483659" r:id="rId17"/>
+    <p:sldLayoutId id="2147483666" r:id="rId8"/>
+    <p:sldLayoutId id="2147483661" r:id="rId9"/>
+    <p:sldLayoutId id="2147483662" r:id="rId10"/>
+    <p:sldLayoutId id="2147483663" r:id="rId11"/>
+    <p:sldLayoutId id="2147483653" r:id="rId12"/>
+    <p:sldLayoutId id="2147483654" r:id="rId13"/>
+    <p:sldLayoutId id="2147483655" r:id="rId14"/>
+    <p:sldLayoutId id="2147483656" r:id="rId15"/>
+    <p:sldLayoutId id="2147483657" r:id="rId16"/>
+    <p:sldLayoutId id="2147483658" r:id="rId17"/>
+    <p:sldLayoutId id="2147483659" r:id="rId18"/>
   </p:sldLayoutIdLst>
   <p:txStyles>
     <p:titleStyle>
